--- a/projekt_Centes.pptx
+++ b/projekt_Centes.pptx
@@ -9,6 +9,9 @@
     <p:sldId id="257" r:id="rId3"/>
     <p:sldId id="258" r:id="rId4"/>
     <p:sldId id="259" r:id="rId5"/>
+    <p:sldId id="260" r:id="rId6"/>
+    <p:sldId id="262" r:id="rId7"/>
+    <p:sldId id="261" r:id="rId8"/>
   </p:sldIdLst>
   <p:sldSz cx="12192000" cy="6858000"/>
   <p:notesSz cx="6858000" cy="9144000"/>
@@ -107,6 +110,11 @@
       </a:defRPr>
     </a:lvl9pPr>
   </p:defaultTextStyle>
+  <p:extLst>
+    <p:ext uri="{EFAFB233-063F-42B5-8137-9DF3F51BA10A}">
+      <p15:sldGuideLst xmlns:p15="http://schemas.microsoft.com/office/powerpoint/2012/main"/>
+    </p:ext>
+  </p:extLst>
 </p:presentation>
 </file>
 
@@ -296,7 +304,7 @@
           <a:p>
             <a:fld id="{4AAD347D-5ACD-4C99-B74B-A9C85AD731AF}" type="datetimeFigureOut">
               <a:rPr lang="en-US" dirty="0"/>
-              <a:t>5/6/2020</a:t>
+              <a:t>5/7/2020</a:t>
             </a:fld>
             <a:endParaRPr lang="en-US" dirty="0"/>
           </a:p>
@@ -566,7 +574,7 @@
           <a:p>
             <a:fld id="{4509A250-FF31-4206-8172-F9D3106AACB1}" type="datetimeFigureOut">
               <a:rPr lang="en-US" dirty="0"/>
-              <a:t>5/6/2020</a:t>
+              <a:t>5/7/2020</a:t>
             </a:fld>
             <a:endParaRPr lang="en-US" dirty="0"/>
           </a:p>
@@ -755,7 +763,7 @@
           <a:p>
             <a:fld id="{4509A250-FF31-4206-8172-F9D3106AACB1}" type="datetimeFigureOut">
               <a:rPr lang="en-US" dirty="0"/>
-              <a:t>5/6/2020</a:t>
+              <a:t>5/7/2020</a:t>
             </a:fld>
             <a:endParaRPr lang="en-US" dirty="0"/>
           </a:p>
@@ -1023,7 +1031,7 @@
           <a:p>
             <a:fld id="{4509A250-FF31-4206-8172-F9D3106AACB1}" type="datetimeFigureOut">
               <a:rPr lang="en-US" dirty="0"/>
-              <a:t>5/6/2020</a:t>
+              <a:t>5/7/2020</a:t>
             </a:fld>
             <a:endParaRPr lang="en-US" dirty="0"/>
           </a:p>
@@ -1359,7 +1367,7 @@
           <a:p>
             <a:fld id="{4509A250-FF31-4206-8172-F9D3106AACB1}" type="datetimeFigureOut">
               <a:rPr lang="en-US" dirty="0"/>
-              <a:t>5/6/2020</a:t>
+              <a:t>5/7/2020</a:t>
             </a:fld>
             <a:endParaRPr lang="en-US" dirty="0"/>
           </a:p>
@@ -1977,7 +1985,7 @@
           <a:p>
             <a:fld id="{4509A250-FF31-4206-8172-F9D3106AACB1}" type="datetimeFigureOut">
               <a:rPr lang="en-US" dirty="0"/>
-              <a:t>5/6/2020</a:t>
+              <a:t>5/7/2020</a:t>
             </a:fld>
             <a:endParaRPr lang="en-US" dirty="0"/>
           </a:p>
@@ -2832,7 +2840,7 @@
           <a:p>
             <a:fld id="{4509A250-FF31-4206-8172-F9D3106AACB1}" type="datetimeFigureOut">
               <a:rPr lang="en-US" dirty="0"/>
-              <a:t>5/6/2020</a:t>
+              <a:t>5/7/2020</a:t>
             </a:fld>
             <a:endParaRPr lang="en-US" dirty="0"/>
           </a:p>
@@ -2997,7 +3005,7 @@
           <a:p>
             <a:fld id="{4509A250-FF31-4206-8172-F9D3106AACB1}" type="datetimeFigureOut">
               <a:rPr lang="en-US" dirty="0"/>
-              <a:t>5/6/2020</a:t>
+              <a:t>5/7/2020</a:t>
             </a:fld>
             <a:endParaRPr lang="en-US" dirty="0"/>
           </a:p>
@@ -3172,7 +3180,7 @@
           <a:p>
             <a:fld id="{4509A250-FF31-4206-8172-F9D3106AACB1}" type="datetimeFigureOut">
               <a:rPr lang="en-US" dirty="0"/>
-              <a:t>5/6/2020</a:t>
+              <a:t>5/7/2020</a:t>
             </a:fld>
             <a:endParaRPr lang="en-US" dirty="0"/>
           </a:p>
@@ -3337,7 +3345,7 @@
           <a:p>
             <a:fld id="{4509A250-FF31-4206-8172-F9D3106AACB1}" type="datetimeFigureOut">
               <a:rPr lang="en-US" dirty="0"/>
-              <a:t>5/6/2020</a:t>
+              <a:t>5/7/2020</a:t>
             </a:fld>
             <a:endParaRPr lang="en-US" dirty="0"/>
           </a:p>
@@ -3579,7 +3587,7 @@
           <a:p>
             <a:fld id="{9796027F-7875-4030-9381-8BD8C4F21935}" type="datetimeFigureOut">
               <a:rPr lang="en-US" dirty="0"/>
-              <a:t>5/6/2020</a:t>
+              <a:t>5/7/2020</a:t>
             </a:fld>
             <a:endParaRPr lang="en-US" dirty="0"/>
           </a:p>
@@ -3866,7 +3874,7 @@
           <a:p>
             <a:fld id="{9796027F-7875-4030-9381-8BD8C4F21935}" type="datetimeFigureOut">
               <a:rPr lang="en-US" dirty="0"/>
-              <a:t>5/6/2020</a:t>
+              <a:t>5/7/2020</a:t>
             </a:fld>
             <a:endParaRPr lang="en-US" dirty="0"/>
           </a:p>
@@ -4305,7 +4313,7 @@
           <a:p>
             <a:fld id="{9796027F-7875-4030-9381-8BD8C4F21935}" type="datetimeFigureOut">
               <a:rPr lang="en-US" dirty="0"/>
-              <a:t>5/6/2020</a:t>
+              <a:t>5/7/2020</a:t>
             </a:fld>
             <a:endParaRPr lang="en-US" dirty="0"/>
           </a:p>
@@ -4418,7 +4426,7 @@
           <a:p>
             <a:fld id="{4509A250-FF31-4206-8172-F9D3106AACB1}" type="datetimeFigureOut">
               <a:rPr lang="en-US" dirty="0"/>
-              <a:t>5/6/2020</a:t>
+              <a:t>5/7/2020</a:t>
             </a:fld>
             <a:endParaRPr lang="en-US" dirty="0"/>
           </a:p>
@@ -4508,7 +4516,7 @@
           <a:p>
             <a:fld id="{4509A250-FF31-4206-8172-F9D3106AACB1}" type="datetimeFigureOut">
               <a:rPr lang="en-US" dirty="0"/>
-              <a:t>5/6/2020</a:t>
+              <a:t>5/7/2020</a:t>
             </a:fld>
             <a:endParaRPr lang="en-US" dirty="0"/>
           </a:p>
@@ -4782,7 +4790,7 @@
           <a:p>
             <a:fld id="{4509A250-FF31-4206-8172-F9D3106AACB1}" type="datetimeFigureOut">
               <a:rPr lang="en-US" dirty="0"/>
-              <a:t>5/6/2020</a:t>
+              <a:t>5/7/2020</a:t>
             </a:fld>
             <a:endParaRPr lang="en-US" dirty="0"/>
           </a:p>
@@ -5052,7 +5060,7 @@
           <a:p>
             <a:fld id="{4509A250-FF31-4206-8172-F9D3106AACB1}" type="datetimeFigureOut">
               <a:rPr lang="en-US" dirty="0"/>
-              <a:t>5/6/2020</a:t>
+              <a:t>5/7/2020</a:t>
             </a:fld>
             <a:endParaRPr lang="en-US" dirty="0"/>
           </a:p>
@@ -5476,7 +5484,7 @@
           <a:p>
             <a:fld id="{4AAD347D-5ACD-4C99-B74B-A9C85AD731AF}" type="datetimeFigureOut">
               <a:rPr lang="en-US" dirty="0"/>
-              <a:t>5/6/2020</a:t>
+              <a:t>5/7/2020</a:t>
             </a:fld>
             <a:endParaRPr lang="en-US" dirty="0"/>
           </a:p>
@@ -6407,20 +6415,6 @@
             </a:r>
           </a:p>
           <a:p>
-            <a:r>
-              <a:rPr lang="sk-SK" dirty="0" smtClean="0"/>
-              <a:t>Dáta nie sú rozdelené na </a:t>
-            </a:r>
-            <a:r>
-              <a:rPr lang="sk-SK" dirty="0" err="1" smtClean="0"/>
-              <a:t>trénovacie</a:t>
-            </a:r>
-            <a:r>
-              <a:rPr lang="sk-SK" dirty="0" smtClean="0"/>
-              <a:t> a testovacie</a:t>
-            </a:r>
-          </a:p>
-          <a:p>
             <a:endParaRPr lang="sk-SK" dirty="0"/>
           </a:p>
         </p:txBody>
@@ -6528,6 +6522,659 @@
     <p:extLst>
       <p:ext uri="{BB962C8B-B14F-4D97-AF65-F5344CB8AC3E}">
         <p14:creationId xmlns:p14="http://schemas.microsoft.com/office/powerpoint/2010/main" val="2761117542"/>
+      </p:ext>
+    </p:extLst>
+  </p:cSld>
+  <p:clrMapOvr>
+    <a:masterClrMapping/>
+  </p:clrMapOvr>
+</p:sld>
+</file>
+
+<file path=ppt/slides/slide5.xml><?xml version="1.0" encoding="utf-8"?>
+<p:sld xmlns:a="http://schemas.openxmlformats.org/drawingml/2006/main" xmlns:r="http://schemas.openxmlformats.org/officeDocument/2006/relationships" xmlns:p="http://schemas.openxmlformats.org/presentationml/2006/main">
+  <p:cSld>
+    <p:spTree>
+      <p:nvGrpSpPr>
+        <p:cNvPr id="1" name=""/>
+        <p:cNvGrpSpPr/>
+        <p:nvPr/>
+      </p:nvGrpSpPr>
+      <p:grpSpPr>
+        <a:xfrm>
+          <a:off x="0" y="0"/>
+          <a:ext cx="0" cy="0"/>
+          <a:chOff x="0" y="0"/>
+          <a:chExt cx="0" cy="0"/>
+        </a:xfrm>
+      </p:grpSpPr>
+      <p:sp>
+        <p:nvSpPr>
+          <p:cNvPr id="2" name="Nadpis 1"/>
+          <p:cNvSpPr>
+            <a:spLocks noGrp="1"/>
+          </p:cNvSpPr>
+          <p:nvPr>
+            <p:ph type="title"/>
+          </p:nvPr>
+        </p:nvSpPr>
+        <p:spPr/>
+        <p:txBody>
+          <a:bodyPr/>
+          <a:lstStyle/>
+          <a:p>
+            <a:r>
+              <a:rPr lang="sk-SK" dirty="0" err="1" smtClean="0"/>
+              <a:t>Perceptron</a:t>
+            </a:r>
+            <a:r>
+              <a:rPr lang="sk-SK" dirty="0" smtClean="0"/>
+              <a:t> v </a:t>
+            </a:r>
+            <a:r>
+              <a:rPr lang="sk-SK" dirty="0" err="1" smtClean="0"/>
+              <a:t>Pythone</a:t>
+            </a:r>
+            <a:endParaRPr lang="sk-SK" dirty="0"/>
+          </a:p>
+        </p:txBody>
+      </p:sp>
+      <p:sp>
+        <p:nvSpPr>
+          <p:cNvPr id="3" name="Zástupný symbol obsahu 2"/>
+          <p:cNvSpPr>
+            <a:spLocks noGrp="1"/>
+          </p:cNvSpPr>
+          <p:nvPr>
+            <p:ph idx="1"/>
+          </p:nvPr>
+        </p:nvSpPr>
+        <p:spPr/>
+        <p:txBody>
+          <a:bodyPr>
+            <a:normAutofit lnSpcReduction="10000"/>
+          </a:bodyPr>
+          <a:lstStyle/>
+          <a:p>
+            <a:r>
+              <a:rPr lang="sk-SK" dirty="0" smtClean="0"/>
+              <a:t>Import knižníc: </a:t>
+            </a:r>
+            <a:r>
+              <a:rPr lang="sk-SK" dirty="0" err="1"/>
+              <a:t>n</a:t>
+            </a:r>
+            <a:r>
+              <a:rPr lang="sk-SK" dirty="0" err="1" smtClean="0"/>
+              <a:t>umpy</a:t>
+            </a:r>
+            <a:r>
+              <a:rPr lang="sk-SK" dirty="0" smtClean="0"/>
+              <a:t>, </a:t>
+            </a:r>
+            <a:r>
+              <a:rPr lang="sk-SK" dirty="0" err="1"/>
+              <a:t>p</a:t>
+            </a:r>
+            <a:r>
+              <a:rPr lang="sk-SK" dirty="0" err="1" smtClean="0"/>
+              <a:t>andas</a:t>
+            </a:r>
+            <a:r>
+              <a:rPr lang="sk-SK" dirty="0" smtClean="0"/>
+              <a:t>, </a:t>
+            </a:r>
+            <a:r>
+              <a:rPr lang="sk-SK" dirty="0" err="1" smtClean="0"/>
+              <a:t>matplotlib.pylot</a:t>
+            </a:r>
+            <a:endParaRPr lang="sk-SK" dirty="0" smtClean="0"/>
+          </a:p>
+          <a:p>
+            <a:r>
+              <a:rPr lang="sk-SK" dirty="0" err="1" smtClean="0"/>
+              <a:t>Pandas</a:t>
+            </a:r>
+            <a:r>
+              <a:rPr lang="sk-SK" dirty="0"/>
+              <a:t> </a:t>
+            </a:r>
+            <a:r>
+              <a:rPr lang="sk-SK" dirty="0" smtClean="0"/>
+              <a:t>– analýza dát, podobne ako Excel</a:t>
+            </a:r>
+          </a:p>
+          <a:p>
+            <a:r>
+              <a:rPr lang="sk-SK" dirty="0" err="1" smtClean="0"/>
+              <a:t>Numpy</a:t>
+            </a:r>
+            <a:r>
+              <a:rPr lang="sk-SK" dirty="0" smtClean="0"/>
+              <a:t> – vedecké výpočty, matice, algebra</a:t>
+            </a:r>
+          </a:p>
+          <a:p>
+            <a:r>
+              <a:rPr lang="sk-SK" dirty="0" err="1" smtClean="0"/>
+              <a:t>Matplotlib.pylot</a:t>
+            </a:r>
+            <a:r>
+              <a:rPr lang="sk-SK" dirty="0" smtClean="0"/>
+              <a:t> – vykresľovanie grafov na základe získaných </a:t>
+            </a:r>
+            <a:r>
+              <a:rPr lang="sk-SK" dirty="0" smtClean="0"/>
+              <a:t>údajov</a:t>
+            </a:r>
+          </a:p>
+          <a:p>
+            <a:r>
+              <a:rPr lang="sk-SK" dirty="0" err="1"/>
+              <a:t>from</a:t>
+            </a:r>
+            <a:r>
+              <a:rPr lang="sk-SK" dirty="0"/>
+              <a:t> </a:t>
+            </a:r>
+            <a:r>
+              <a:rPr lang="sk-SK" dirty="0" err="1"/>
+              <a:t>keras.models</a:t>
+            </a:r>
+            <a:r>
+              <a:rPr lang="sk-SK" dirty="0"/>
+              <a:t> import </a:t>
+            </a:r>
+            <a:r>
+              <a:rPr lang="sk-SK" dirty="0" err="1" smtClean="0"/>
+              <a:t>Sequential</a:t>
+            </a:r>
+            <a:r>
+              <a:rPr lang="sk-SK" dirty="0" smtClean="0"/>
+              <a:t> - </a:t>
+            </a:r>
+            <a:endParaRPr lang="sk-SK" dirty="0"/>
+          </a:p>
+          <a:p>
+            <a:r>
+              <a:rPr lang="sk-SK" dirty="0" err="1"/>
+              <a:t>from</a:t>
+            </a:r>
+            <a:r>
+              <a:rPr lang="sk-SK" dirty="0"/>
+              <a:t> </a:t>
+            </a:r>
+            <a:r>
+              <a:rPr lang="sk-SK" dirty="0" err="1"/>
+              <a:t>keras.layers</a:t>
+            </a:r>
+            <a:r>
+              <a:rPr lang="sk-SK" dirty="0"/>
+              <a:t> import </a:t>
+            </a:r>
+            <a:r>
+              <a:rPr lang="sk-SK" dirty="0" err="1" smtClean="0"/>
+              <a:t>Dense</a:t>
+            </a:r>
+            <a:r>
+              <a:rPr lang="sk-SK" dirty="0"/>
+              <a:t> </a:t>
+            </a:r>
+            <a:r>
+              <a:rPr lang="sk-SK" dirty="0" smtClean="0"/>
+              <a:t>- </a:t>
+            </a:r>
+            <a:endParaRPr lang="sk-SK" dirty="0"/>
+          </a:p>
+          <a:p>
+            <a:r>
+              <a:rPr lang="sk-SK" dirty="0" err="1"/>
+              <a:t>from</a:t>
+            </a:r>
+            <a:r>
+              <a:rPr lang="sk-SK" dirty="0"/>
+              <a:t> </a:t>
+            </a:r>
+            <a:r>
+              <a:rPr lang="sk-SK" dirty="0" err="1"/>
+              <a:t>keras.utils</a:t>
+            </a:r>
+            <a:r>
+              <a:rPr lang="sk-SK" dirty="0"/>
+              <a:t> import </a:t>
+            </a:r>
+            <a:r>
+              <a:rPr lang="sk-SK" dirty="0" err="1" smtClean="0"/>
+              <a:t>np_utils</a:t>
+            </a:r>
+            <a:r>
+              <a:rPr lang="sk-SK" dirty="0" smtClean="0"/>
+              <a:t> - </a:t>
+            </a:r>
+            <a:endParaRPr lang="sk-SK" dirty="0"/>
+          </a:p>
+          <a:p>
+            <a:r>
+              <a:rPr lang="sk-SK" dirty="0" err="1"/>
+              <a:t>from</a:t>
+            </a:r>
+            <a:r>
+              <a:rPr lang="sk-SK" dirty="0"/>
+              <a:t> </a:t>
+            </a:r>
+            <a:r>
+              <a:rPr lang="sk-SK" dirty="0" err="1"/>
+              <a:t>keras.utils</a:t>
+            </a:r>
+            <a:r>
+              <a:rPr lang="sk-SK" dirty="0"/>
+              <a:t> import </a:t>
+            </a:r>
+            <a:r>
+              <a:rPr lang="sk-SK" dirty="0" err="1" smtClean="0"/>
+              <a:t>to_categorical</a:t>
+            </a:r>
+            <a:r>
+              <a:rPr lang="sk-SK" dirty="0" smtClean="0"/>
+              <a:t> - </a:t>
+            </a:r>
+            <a:endParaRPr lang="sk-SK" dirty="0"/>
+          </a:p>
+          <a:p>
+            <a:r>
+              <a:rPr lang="sk-SK" dirty="0" err="1"/>
+              <a:t>from</a:t>
+            </a:r>
+            <a:r>
+              <a:rPr lang="sk-SK" dirty="0"/>
+              <a:t> </a:t>
+            </a:r>
+            <a:r>
+              <a:rPr lang="sk-SK" dirty="0" err="1"/>
+              <a:t>sklearn.model_selection</a:t>
+            </a:r>
+            <a:r>
+              <a:rPr lang="sk-SK" dirty="0"/>
+              <a:t> import </a:t>
+            </a:r>
+            <a:r>
+              <a:rPr lang="sk-SK" dirty="0" err="1" smtClean="0"/>
+              <a:t>train_test_split</a:t>
+            </a:r>
+            <a:r>
+              <a:rPr lang="sk-SK" dirty="0" smtClean="0"/>
+              <a:t> – </a:t>
+            </a:r>
+          </a:p>
+          <a:p>
+            <a:r>
+              <a:rPr lang="sk-SK" dirty="0" err="1"/>
+              <a:t>from</a:t>
+            </a:r>
+            <a:r>
+              <a:rPr lang="sk-SK" dirty="0"/>
+              <a:t> </a:t>
+            </a:r>
+            <a:r>
+              <a:rPr lang="sk-SK" dirty="0" err="1"/>
+              <a:t>sklearn.neural_network</a:t>
+            </a:r>
+            <a:r>
+              <a:rPr lang="sk-SK" dirty="0"/>
+              <a:t> import </a:t>
+            </a:r>
+            <a:r>
+              <a:rPr lang="sk-SK" dirty="0" err="1" smtClean="0"/>
+              <a:t>MLPClassifier</a:t>
+            </a:r>
+            <a:r>
+              <a:rPr lang="sk-SK" dirty="0" smtClean="0"/>
+              <a:t> - </a:t>
+            </a:r>
+            <a:endParaRPr lang="sk-SK" dirty="0"/>
+          </a:p>
+        </p:txBody>
+      </p:sp>
+    </p:spTree>
+    <p:extLst>
+      <p:ext uri="{BB962C8B-B14F-4D97-AF65-F5344CB8AC3E}">
+        <p14:creationId xmlns:p14="http://schemas.microsoft.com/office/powerpoint/2010/main" val="965669443"/>
+      </p:ext>
+    </p:extLst>
+  </p:cSld>
+  <p:clrMapOvr>
+    <a:masterClrMapping/>
+  </p:clrMapOvr>
+</p:sld>
+</file>
+
+<file path=ppt/slides/slide6.xml><?xml version="1.0" encoding="utf-8"?>
+<p:sld xmlns:a="http://schemas.openxmlformats.org/drawingml/2006/main" xmlns:r="http://schemas.openxmlformats.org/officeDocument/2006/relationships" xmlns:p="http://schemas.openxmlformats.org/presentationml/2006/main">
+  <p:cSld>
+    <p:spTree>
+      <p:nvGrpSpPr>
+        <p:cNvPr id="1" name=""/>
+        <p:cNvGrpSpPr/>
+        <p:nvPr/>
+      </p:nvGrpSpPr>
+      <p:grpSpPr>
+        <a:xfrm>
+          <a:off x="0" y="0"/>
+          <a:ext cx="0" cy="0"/>
+          <a:chOff x="0" y="0"/>
+          <a:chExt cx="0" cy="0"/>
+        </a:xfrm>
+      </p:grpSpPr>
+      <p:sp>
+        <p:nvSpPr>
+          <p:cNvPr id="2" name="Nadpis 1"/>
+          <p:cNvSpPr>
+            <a:spLocks noGrp="1"/>
+          </p:cNvSpPr>
+          <p:nvPr>
+            <p:ph type="title"/>
+          </p:nvPr>
+        </p:nvSpPr>
+        <p:spPr/>
+        <p:txBody>
+          <a:bodyPr/>
+          <a:lstStyle/>
+          <a:p>
+            <a:r>
+              <a:rPr lang="sk-SK" dirty="0" smtClean="0"/>
+              <a:t>Kód</a:t>
+            </a:r>
+            <a:endParaRPr lang="sk-SK" dirty="0"/>
+          </a:p>
+        </p:txBody>
+      </p:sp>
+      <p:sp>
+        <p:nvSpPr>
+          <p:cNvPr id="3" name="Zástupný symbol obsahu 2"/>
+          <p:cNvSpPr>
+            <a:spLocks noGrp="1"/>
+          </p:cNvSpPr>
+          <p:nvPr>
+            <p:ph idx="1"/>
+          </p:nvPr>
+        </p:nvSpPr>
+        <p:spPr/>
+        <p:txBody>
+          <a:bodyPr>
+            <a:normAutofit fontScale="92500" lnSpcReduction="10000"/>
+          </a:bodyPr>
+          <a:lstStyle/>
+          <a:p>
+            <a:r>
+              <a:rPr lang="sk-SK" dirty="0" smtClean="0"/>
+              <a:t>Import: </a:t>
+            </a:r>
+            <a:r>
+              <a:rPr lang="sk-SK" dirty="0" err="1" smtClean="0"/>
+              <a:t>numpy</a:t>
+            </a:r>
+            <a:r>
+              <a:rPr lang="sk-SK" dirty="0" smtClean="0"/>
+              <a:t>, </a:t>
+            </a:r>
+            <a:r>
+              <a:rPr lang="sk-SK" dirty="0" err="1" smtClean="0"/>
+              <a:t>pandas</a:t>
+            </a:r>
+            <a:r>
+              <a:rPr lang="sk-SK" dirty="0" smtClean="0"/>
+              <a:t>, </a:t>
+            </a:r>
+            <a:r>
+              <a:rPr lang="sk-SK" dirty="0" err="1" smtClean="0"/>
+              <a:t>matplotlib.pylot</a:t>
+            </a:r>
+            <a:endParaRPr lang="sk-SK" dirty="0" smtClean="0"/>
+          </a:p>
+          <a:p>
+            <a:r>
+              <a:rPr lang="sk-SK" dirty="0" smtClean="0"/>
+              <a:t>Deklarácia triedy </a:t>
+            </a:r>
+            <a:r>
+              <a:rPr lang="sk-SK" dirty="0" err="1" smtClean="0"/>
+              <a:t>Perceptron</a:t>
+            </a:r>
+            <a:r>
+              <a:rPr lang="sk-SK" dirty="0" smtClean="0"/>
+              <a:t> (</a:t>
+            </a:r>
+            <a:r>
+              <a:rPr lang="sk-SK" dirty="0" err="1" smtClean="0"/>
+              <a:t>def</a:t>
+            </a:r>
+            <a:r>
+              <a:rPr lang="sk-SK" dirty="0" smtClean="0"/>
+              <a:t> </a:t>
+            </a:r>
+            <a:r>
+              <a:rPr lang="sk-SK" dirty="0" err="1" smtClean="0"/>
+              <a:t>init</a:t>
+            </a:r>
+            <a:r>
+              <a:rPr lang="sk-SK" dirty="0" smtClean="0"/>
+              <a:t>, </a:t>
+            </a:r>
+            <a:r>
+              <a:rPr lang="sk-SK" dirty="0" err="1" smtClean="0"/>
+              <a:t>def</a:t>
+            </a:r>
+            <a:r>
+              <a:rPr lang="sk-SK" dirty="0" smtClean="0"/>
+              <a:t> fit, 	pole váhy, pole chyby, cyklus učenia </a:t>
+            </a:r>
+            <a:r>
+              <a:rPr lang="sk-SK" dirty="0" err="1" smtClean="0"/>
+              <a:t>perceptronu</a:t>
+            </a:r>
+            <a:r>
+              <a:rPr lang="sk-SK" dirty="0" smtClean="0"/>
+              <a:t>)</a:t>
+            </a:r>
+          </a:p>
+          <a:p>
+            <a:r>
+              <a:rPr lang="sk-SK" dirty="0" smtClean="0"/>
+              <a:t>Načítanie súboru s dátami</a:t>
+            </a:r>
+          </a:p>
+          <a:p>
+            <a:r>
+              <a:rPr lang="sk-SK" dirty="0" smtClean="0"/>
+              <a:t>Výber potrebných dát</a:t>
+            </a:r>
+          </a:p>
+          <a:p>
+            <a:r>
+              <a:rPr lang="sk-SK" dirty="0" smtClean="0"/>
+              <a:t>Spojenie dát manuálne, načítanie nového súboru</a:t>
+            </a:r>
+          </a:p>
+          <a:p>
+            <a:r>
+              <a:rPr lang="sk-SK" dirty="0" smtClean="0"/>
+              <a:t>Naplnenie </a:t>
+            </a:r>
+            <a:r>
+              <a:rPr lang="sk-SK" dirty="0" err="1" smtClean="0"/>
+              <a:t>X,y</a:t>
+            </a:r>
+            <a:r>
+              <a:rPr lang="sk-SK" dirty="0" smtClean="0"/>
+              <a:t> dátami</a:t>
+            </a:r>
+          </a:p>
+          <a:p>
+            <a:r>
+              <a:rPr lang="sk-SK" dirty="0" smtClean="0"/>
+              <a:t>Vytvorenie premennej </a:t>
+            </a:r>
+            <a:r>
+              <a:rPr lang="sk-SK" dirty="0" err="1" smtClean="0"/>
+              <a:t>perceptron</a:t>
+            </a:r>
+            <a:r>
+              <a:rPr lang="sk-SK" dirty="0" smtClean="0"/>
+              <a:t>, výpis procesom učenia (.fit)</a:t>
+            </a:r>
+          </a:p>
+          <a:p>
+            <a:r>
+              <a:rPr lang="sk-SK" dirty="0" smtClean="0"/>
+              <a:t>Vykreslenie grafu (</a:t>
+            </a:r>
+            <a:r>
+              <a:rPr lang="sk-SK" dirty="0" err="1" smtClean="0"/>
+              <a:t>scatter</a:t>
+            </a:r>
+            <a:r>
+              <a:rPr lang="sk-SK" dirty="0" smtClean="0"/>
+              <a:t>) </a:t>
+            </a:r>
+          </a:p>
+          <a:p>
+            <a:r>
+              <a:rPr lang="sk-SK" dirty="0" smtClean="0"/>
+              <a:t>Vykreslenie grafu chýb</a:t>
+            </a:r>
+          </a:p>
+          <a:p>
+            <a:r>
+              <a:rPr lang="sk-SK" dirty="0" smtClean="0"/>
+              <a:t>Vykreslenie grafu váh</a:t>
+            </a:r>
+          </a:p>
+          <a:p>
+            <a:endParaRPr lang="sk-SK" dirty="0"/>
+          </a:p>
+        </p:txBody>
+      </p:sp>
+    </p:spTree>
+    <p:extLst>
+      <p:ext uri="{BB962C8B-B14F-4D97-AF65-F5344CB8AC3E}">
+        <p14:creationId xmlns:p14="http://schemas.microsoft.com/office/powerpoint/2010/main" val="1203306313"/>
+      </p:ext>
+    </p:extLst>
+  </p:cSld>
+  <p:clrMapOvr>
+    <a:masterClrMapping/>
+  </p:clrMapOvr>
+</p:sld>
+</file>
+
+<file path=ppt/slides/slide7.xml><?xml version="1.0" encoding="utf-8"?>
+<p:sld xmlns:a="http://schemas.openxmlformats.org/drawingml/2006/main" xmlns:r="http://schemas.openxmlformats.org/officeDocument/2006/relationships" xmlns:p="http://schemas.openxmlformats.org/presentationml/2006/main">
+  <p:cSld>
+    <p:spTree>
+      <p:nvGrpSpPr>
+        <p:cNvPr id="1" name=""/>
+        <p:cNvGrpSpPr/>
+        <p:nvPr/>
+      </p:nvGrpSpPr>
+      <p:grpSpPr>
+        <a:xfrm>
+          <a:off x="0" y="0"/>
+          <a:ext cx="0" cy="0"/>
+          <a:chOff x="0" y="0"/>
+          <a:chExt cx="0" cy="0"/>
+        </a:xfrm>
+      </p:grpSpPr>
+      <p:sp>
+        <p:nvSpPr>
+          <p:cNvPr id="2" name="Nadpis 1"/>
+          <p:cNvSpPr>
+            <a:spLocks noGrp="1"/>
+          </p:cNvSpPr>
+          <p:nvPr>
+            <p:ph type="title"/>
+          </p:nvPr>
+        </p:nvSpPr>
+        <p:spPr/>
+        <p:txBody>
+          <a:bodyPr/>
+          <a:lstStyle/>
+          <a:p>
+            <a:r>
+              <a:rPr lang="sk-SK" dirty="0" smtClean="0"/>
+              <a:t>Zdroje:</a:t>
+            </a:r>
+            <a:endParaRPr lang="sk-SK" dirty="0"/>
+          </a:p>
+        </p:txBody>
+      </p:sp>
+      <p:sp>
+        <p:nvSpPr>
+          <p:cNvPr id="3" name="Zástupný symbol obsahu 2"/>
+          <p:cNvSpPr>
+            <a:spLocks noGrp="1"/>
+          </p:cNvSpPr>
+          <p:nvPr>
+            <p:ph idx="1"/>
+          </p:nvPr>
+        </p:nvSpPr>
+        <p:spPr/>
+        <p:txBody>
+          <a:bodyPr/>
+          <a:lstStyle/>
+          <a:p>
+            <a:r>
+              <a:rPr lang="sk-SK" dirty="0">
+                <a:hlinkClick r:id="rId2"/>
+              </a:rPr>
+              <a:t>https://</a:t>
+            </a:r>
+            <a:r>
+              <a:rPr lang="sk-SK" dirty="0" smtClean="0">
+                <a:hlinkClick r:id="rId2"/>
+              </a:rPr>
+              <a:t>sk.wikipedia.org/wiki/Perceptrón</a:t>
+            </a:r>
+            <a:endParaRPr lang="sk-SK" dirty="0" smtClean="0"/>
+          </a:p>
+          <a:p>
+            <a:r>
+              <a:rPr lang="sk-SK" dirty="0">
+                <a:hlinkClick r:id="rId3"/>
+              </a:rPr>
+              <a:t>https://naucse.python.cz/lessons/intro/pandas</a:t>
+            </a:r>
+            <a:r>
+              <a:rPr lang="sk-SK" dirty="0" smtClean="0">
+                <a:hlinkClick r:id="rId3"/>
+              </a:rPr>
+              <a:t>/</a:t>
+            </a:r>
+            <a:endParaRPr lang="sk-SK" dirty="0" smtClean="0"/>
+          </a:p>
+          <a:p>
+            <a:r>
+              <a:rPr lang="sk-SK" dirty="0">
+                <a:hlinkClick r:id="rId4"/>
+              </a:rPr>
+              <a:t>https://</a:t>
+            </a:r>
+            <a:r>
+              <a:rPr lang="sk-SK" dirty="0" smtClean="0">
+                <a:hlinkClick r:id="rId4"/>
+              </a:rPr>
+              <a:t>moodle.uiam.sk/pluginfile.php/73383/mod_resource/content/1/06.pdf</a:t>
+            </a:r>
+            <a:endParaRPr lang="sk-SK" dirty="0" smtClean="0"/>
+          </a:p>
+          <a:p>
+            <a:endParaRPr lang="sk-SK" dirty="0"/>
+          </a:p>
+        </p:txBody>
+      </p:sp>
+    </p:spTree>
+    <p:extLst>
+      <p:ext uri="{BB962C8B-B14F-4D97-AF65-F5344CB8AC3E}">
+        <p14:creationId xmlns:p14="http://schemas.microsoft.com/office/powerpoint/2010/main" val="501008502"/>
       </p:ext>
     </p:extLst>
   </p:cSld>

--- a/projekt_Centes.pptx
+++ b/projekt_Centes.pptx
@@ -6,12 +6,16 @@
   </p:sldMasterIdLst>
   <p:sldIdLst>
     <p:sldId id="256" r:id="rId2"/>
-    <p:sldId id="257" r:id="rId3"/>
-    <p:sldId id="258" r:id="rId4"/>
-    <p:sldId id="259" r:id="rId5"/>
-    <p:sldId id="260" r:id="rId6"/>
-    <p:sldId id="262" r:id="rId7"/>
-    <p:sldId id="261" r:id="rId8"/>
+    <p:sldId id="263" r:id="rId3"/>
+    <p:sldId id="260" r:id="rId4"/>
+    <p:sldId id="257" r:id="rId5"/>
+    <p:sldId id="264" r:id="rId6"/>
+    <p:sldId id="258" r:id="rId7"/>
+    <p:sldId id="265" r:id="rId8"/>
+    <p:sldId id="267" r:id="rId9"/>
+    <p:sldId id="266" r:id="rId10"/>
+    <p:sldId id="268" r:id="rId11"/>
+    <p:sldId id="261" r:id="rId12"/>
   </p:sldIdLst>
   <p:sldSz cx="12192000" cy="6858000"/>
   <p:notesSz cx="6858000" cy="9144000"/>
@@ -304,7 +308,7 @@
           <a:p>
             <a:fld id="{4AAD347D-5ACD-4C99-B74B-A9C85AD731AF}" type="datetimeFigureOut">
               <a:rPr lang="en-US" dirty="0"/>
-              <a:t>5/7/2020</a:t>
+              <a:t>5/8/2020</a:t>
             </a:fld>
             <a:endParaRPr lang="en-US" dirty="0"/>
           </a:p>
@@ -574,7 +578,7 @@
           <a:p>
             <a:fld id="{4509A250-FF31-4206-8172-F9D3106AACB1}" type="datetimeFigureOut">
               <a:rPr lang="en-US" dirty="0"/>
-              <a:t>5/7/2020</a:t>
+              <a:t>5/8/2020</a:t>
             </a:fld>
             <a:endParaRPr lang="en-US" dirty="0"/>
           </a:p>
@@ -763,7 +767,7 @@
           <a:p>
             <a:fld id="{4509A250-FF31-4206-8172-F9D3106AACB1}" type="datetimeFigureOut">
               <a:rPr lang="en-US" dirty="0"/>
-              <a:t>5/7/2020</a:t>
+              <a:t>5/8/2020</a:t>
             </a:fld>
             <a:endParaRPr lang="en-US" dirty="0"/>
           </a:p>
@@ -1031,7 +1035,7 @@
           <a:p>
             <a:fld id="{4509A250-FF31-4206-8172-F9D3106AACB1}" type="datetimeFigureOut">
               <a:rPr lang="en-US" dirty="0"/>
-              <a:t>5/7/2020</a:t>
+              <a:t>5/8/2020</a:t>
             </a:fld>
             <a:endParaRPr lang="en-US" dirty="0"/>
           </a:p>
@@ -1367,7 +1371,7 @@
           <a:p>
             <a:fld id="{4509A250-FF31-4206-8172-F9D3106AACB1}" type="datetimeFigureOut">
               <a:rPr lang="en-US" dirty="0"/>
-              <a:t>5/7/2020</a:t>
+              <a:t>5/8/2020</a:t>
             </a:fld>
             <a:endParaRPr lang="en-US" dirty="0"/>
           </a:p>
@@ -1985,7 +1989,7 @@
           <a:p>
             <a:fld id="{4509A250-FF31-4206-8172-F9D3106AACB1}" type="datetimeFigureOut">
               <a:rPr lang="en-US" dirty="0"/>
-              <a:t>5/7/2020</a:t>
+              <a:t>5/8/2020</a:t>
             </a:fld>
             <a:endParaRPr lang="en-US" dirty="0"/>
           </a:p>
@@ -2840,7 +2844,7 @@
           <a:p>
             <a:fld id="{4509A250-FF31-4206-8172-F9D3106AACB1}" type="datetimeFigureOut">
               <a:rPr lang="en-US" dirty="0"/>
-              <a:t>5/7/2020</a:t>
+              <a:t>5/8/2020</a:t>
             </a:fld>
             <a:endParaRPr lang="en-US" dirty="0"/>
           </a:p>
@@ -3005,7 +3009,7 @@
           <a:p>
             <a:fld id="{4509A250-FF31-4206-8172-F9D3106AACB1}" type="datetimeFigureOut">
               <a:rPr lang="en-US" dirty="0"/>
-              <a:t>5/7/2020</a:t>
+              <a:t>5/8/2020</a:t>
             </a:fld>
             <a:endParaRPr lang="en-US" dirty="0"/>
           </a:p>
@@ -3180,7 +3184,7 @@
           <a:p>
             <a:fld id="{4509A250-FF31-4206-8172-F9D3106AACB1}" type="datetimeFigureOut">
               <a:rPr lang="en-US" dirty="0"/>
-              <a:t>5/7/2020</a:t>
+              <a:t>5/8/2020</a:t>
             </a:fld>
             <a:endParaRPr lang="en-US" dirty="0"/>
           </a:p>
@@ -3345,7 +3349,7 @@
           <a:p>
             <a:fld id="{4509A250-FF31-4206-8172-F9D3106AACB1}" type="datetimeFigureOut">
               <a:rPr lang="en-US" dirty="0"/>
-              <a:t>5/7/2020</a:t>
+              <a:t>5/8/2020</a:t>
             </a:fld>
             <a:endParaRPr lang="en-US" dirty="0"/>
           </a:p>
@@ -3587,7 +3591,7 @@
           <a:p>
             <a:fld id="{9796027F-7875-4030-9381-8BD8C4F21935}" type="datetimeFigureOut">
               <a:rPr lang="en-US" dirty="0"/>
-              <a:t>5/7/2020</a:t>
+              <a:t>5/8/2020</a:t>
             </a:fld>
             <a:endParaRPr lang="en-US" dirty="0"/>
           </a:p>
@@ -3874,7 +3878,7 @@
           <a:p>
             <a:fld id="{9796027F-7875-4030-9381-8BD8C4F21935}" type="datetimeFigureOut">
               <a:rPr lang="en-US" dirty="0"/>
-              <a:t>5/7/2020</a:t>
+              <a:t>5/8/2020</a:t>
             </a:fld>
             <a:endParaRPr lang="en-US" dirty="0"/>
           </a:p>
@@ -4313,7 +4317,7 @@
           <a:p>
             <a:fld id="{9796027F-7875-4030-9381-8BD8C4F21935}" type="datetimeFigureOut">
               <a:rPr lang="en-US" dirty="0"/>
-              <a:t>5/7/2020</a:t>
+              <a:t>5/8/2020</a:t>
             </a:fld>
             <a:endParaRPr lang="en-US" dirty="0"/>
           </a:p>
@@ -4426,7 +4430,7 @@
           <a:p>
             <a:fld id="{4509A250-FF31-4206-8172-F9D3106AACB1}" type="datetimeFigureOut">
               <a:rPr lang="en-US" dirty="0"/>
-              <a:t>5/7/2020</a:t>
+              <a:t>5/8/2020</a:t>
             </a:fld>
             <a:endParaRPr lang="en-US" dirty="0"/>
           </a:p>
@@ -4516,7 +4520,7 @@
           <a:p>
             <a:fld id="{4509A250-FF31-4206-8172-F9D3106AACB1}" type="datetimeFigureOut">
               <a:rPr lang="en-US" dirty="0"/>
-              <a:t>5/7/2020</a:t>
+              <a:t>5/8/2020</a:t>
             </a:fld>
             <a:endParaRPr lang="en-US" dirty="0"/>
           </a:p>
@@ -4790,7 +4794,7 @@
           <a:p>
             <a:fld id="{4509A250-FF31-4206-8172-F9D3106AACB1}" type="datetimeFigureOut">
               <a:rPr lang="en-US" dirty="0"/>
-              <a:t>5/7/2020</a:t>
+              <a:t>5/8/2020</a:t>
             </a:fld>
             <a:endParaRPr lang="en-US" dirty="0"/>
           </a:p>
@@ -5060,7 +5064,7 @@
           <a:p>
             <a:fld id="{4509A250-FF31-4206-8172-F9D3106AACB1}" type="datetimeFigureOut">
               <a:rPr lang="en-US" dirty="0"/>
-              <a:t>5/7/2020</a:t>
+              <a:t>5/8/2020</a:t>
             </a:fld>
             <a:endParaRPr lang="en-US" dirty="0"/>
           </a:p>
@@ -5484,7 +5488,7 @@
           <a:p>
             <a:fld id="{4AAD347D-5ACD-4C99-B74B-A9C85AD731AF}" type="datetimeFigureOut">
               <a:rPr lang="en-US" dirty="0"/>
-              <a:t>5/7/2020</a:t>
+              <a:t>5/8/2020</a:t>
             </a:fld>
             <a:endParaRPr lang="en-US" dirty="0"/>
           </a:p>
@@ -6071,6 +6075,264 @@
   <p:clrMapOvr>
     <a:masterClrMapping/>
   </p:clrMapOvr>
+  <p:timing>
+    <p:tnLst>
+      <p:par>
+        <p:cTn id="1" dur="indefinite" restart="never" nodeType="tmRoot"/>
+      </p:par>
+    </p:tnLst>
+  </p:timing>
+</p:sld>
+</file>
+
+<file path=ppt/slides/slide10.xml><?xml version="1.0" encoding="utf-8"?>
+<p:sld xmlns:a="http://schemas.openxmlformats.org/drawingml/2006/main" xmlns:r="http://schemas.openxmlformats.org/officeDocument/2006/relationships" xmlns:p="http://schemas.openxmlformats.org/presentationml/2006/main">
+  <p:cSld>
+    <p:spTree>
+      <p:nvGrpSpPr>
+        <p:cNvPr id="1" name=""/>
+        <p:cNvGrpSpPr/>
+        <p:nvPr/>
+      </p:nvGrpSpPr>
+      <p:grpSpPr>
+        <a:xfrm>
+          <a:off x="0" y="0"/>
+          <a:ext cx="0" cy="0"/>
+          <a:chOff x="0" y="0"/>
+          <a:chExt cx="0" cy="0"/>
+        </a:xfrm>
+      </p:grpSpPr>
+      <p:sp>
+        <p:nvSpPr>
+          <p:cNvPr id="2" name="Nadpis 1"/>
+          <p:cNvSpPr>
+            <a:spLocks noGrp="1"/>
+          </p:cNvSpPr>
+          <p:nvPr>
+            <p:ph type="title"/>
+          </p:nvPr>
+        </p:nvSpPr>
+        <p:spPr/>
+        <p:txBody>
+          <a:bodyPr/>
+          <a:lstStyle/>
+          <a:p>
+            <a:r>
+              <a:rPr lang="sk-SK" dirty="0" smtClean="0"/>
+              <a:t>Záver</a:t>
+            </a:r>
+            <a:endParaRPr lang="sk-SK" dirty="0"/>
+          </a:p>
+        </p:txBody>
+      </p:sp>
+      <p:sp>
+        <p:nvSpPr>
+          <p:cNvPr id="3" name="Zástupný symbol obsahu 2"/>
+          <p:cNvSpPr>
+            <a:spLocks noGrp="1"/>
+          </p:cNvSpPr>
+          <p:nvPr>
+            <p:ph idx="1"/>
+          </p:nvPr>
+        </p:nvSpPr>
+        <p:spPr/>
+        <p:txBody>
+          <a:bodyPr/>
+          <a:lstStyle/>
+          <a:p>
+            <a:r>
+              <a:rPr lang="sk-SK" dirty="0" smtClean="0"/>
+              <a:t>Presnosť siete sa pohybuje okolo 35%, vyššiu presnosť by sme dosiahli použitím rozsiahlejšieho </a:t>
+            </a:r>
+            <a:r>
+              <a:rPr lang="sk-SK" dirty="0" err="1" smtClean="0"/>
+              <a:t>datasetu</a:t>
+            </a:r>
+            <a:endParaRPr lang="sk-SK" dirty="0" smtClean="0"/>
+          </a:p>
+          <a:p>
+            <a:r>
+              <a:rPr lang="sk-SK" dirty="0" smtClean="0"/>
+              <a:t>Správne odhadnutie ďalšieho vývoju vlastností optického pripojenia na základe použitého </a:t>
+            </a:r>
+            <a:r>
+              <a:rPr lang="sk-SK" dirty="0" err="1" smtClean="0"/>
+              <a:t>datasetu</a:t>
+            </a:r>
+            <a:r>
+              <a:rPr lang="sk-SK" dirty="0" smtClean="0"/>
+              <a:t> je málo pravdepodobné </a:t>
+            </a:r>
+            <a:endParaRPr lang="sk-SK" dirty="0"/>
+          </a:p>
+        </p:txBody>
+      </p:sp>
+    </p:spTree>
+    <p:extLst>
+      <p:ext uri="{BB962C8B-B14F-4D97-AF65-F5344CB8AC3E}">
+        <p14:creationId xmlns:p14="http://schemas.microsoft.com/office/powerpoint/2010/main" val="2235952720"/>
+      </p:ext>
+    </p:extLst>
+  </p:cSld>
+  <p:clrMapOvr>
+    <a:masterClrMapping/>
+  </p:clrMapOvr>
+  <p:timing>
+    <p:tnLst>
+      <p:par>
+        <p:cTn id="1" dur="indefinite" restart="never" nodeType="tmRoot"/>
+      </p:par>
+    </p:tnLst>
+  </p:timing>
+</p:sld>
+</file>
+
+<file path=ppt/slides/slide11.xml><?xml version="1.0" encoding="utf-8"?>
+<p:sld xmlns:a="http://schemas.openxmlformats.org/drawingml/2006/main" xmlns:r="http://schemas.openxmlformats.org/officeDocument/2006/relationships" xmlns:p="http://schemas.openxmlformats.org/presentationml/2006/main">
+  <p:cSld>
+    <p:spTree>
+      <p:nvGrpSpPr>
+        <p:cNvPr id="1" name=""/>
+        <p:cNvGrpSpPr/>
+        <p:nvPr/>
+      </p:nvGrpSpPr>
+      <p:grpSpPr>
+        <a:xfrm>
+          <a:off x="0" y="0"/>
+          <a:ext cx="0" cy="0"/>
+          <a:chOff x="0" y="0"/>
+          <a:chExt cx="0" cy="0"/>
+        </a:xfrm>
+      </p:grpSpPr>
+      <p:sp>
+        <p:nvSpPr>
+          <p:cNvPr id="2" name="Nadpis 1"/>
+          <p:cNvSpPr>
+            <a:spLocks noGrp="1"/>
+          </p:cNvSpPr>
+          <p:nvPr>
+            <p:ph type="title"/>
+          </p:nvPr>
+        </p:nvSpPr>
+        <p:spPr/>
+        <p:txBody>
+          <a:bodyPr/>
+          <a:lstStyle/>
+          <a:p>
+            <a:r>
+              <a:rPr lang="sk-SK" dirty="0" smtClean="0"/>
+              <a:t>Zdroje:</a:t>
+            </a:r>
+            <a:endParaRPr lang="sk-SK" dirty="0"/>
+          </a:p>
+        </p:txBody>
+      </p:sp>
+      <p:sp>
+        <p:nvSpPr>
+          <p:cNvPr id="3" name="Zástupný symbol obsahu 2"/>
+          <p:cNvSpPr>
+            <a:spLocks noGrp="1"/>
+          </p:cNvSpPr>
+          <p:nvPr>
+            <p:ph idx="1"/>
+          </p:nvPr>
+        </p:nvSpPr>
+        <p:spPr/>
+        <p:txBody>
+          <a:bodyPr/>
+          <a:lstStyle/>
+          <a:p>
+            <a:r>
+              <a:rPr lang="sk-SK" dirty="0">
+                <a:hlinkClick r:id="rId2"/>
+              </a:rPr>
+              <a:t>https://</a:t>
+            </a:r>
+            <a:r>
+              <a:rPr lang="sk-SK" dirty="0" smtClean="0">
+                <a:hlinkClick r:id="rId2"/>
+              </a:rPr>
+              <a:t>sk.wikipedia.org/wiki/Perceptrón</a:t>
+            </a:r>
+            <a:endParaRPr lang="sk-SK" dirty="0" smtClean="0"/>
+          </a:p>
+          <a:p>
+            <a:r>
+              <a:rPr lang="sk-SK" dirty="0">
+                <a:hlinkClick r:id="rId3"/>
+              </a:rPr>
+              <a:t>https://naucse.python.cz/lessons/intro/pandas</a:t>
+            </a:r>
+            <a:r>
+              <a:rPr lang="sk-SK" dirty="0" smtClean="0">
+                <a:hlinkClick r:id="rId3"/>
+              </a:rPr>
+              <a:t>/</a:t>
+            </a:r>
+            <a:endParaRPr lang="sk-SK" dirty="0" smtClean="0"/>
+          </a:p>
+          <a:p>
+            <a:r>
+              <a:rPr lang="sk-SK" dirty="0">
+                <a:hlinkClick r:id="rId4"/>
+              </a:rPr>
+              <a:t>https://</a:t>
+            </a:r>
+            <a:r>
+              <a:rPr lang="sk-SK" dirty="0" smtClean="0">
+                <a:hlinkClick r:id="rId4"/>
+              </a:rPr>
+              <a:t>moodle.uiam.sk/pluginfile.php/73383/mod_resource/content/1/06.pdf</a:t>
+            </a:r>
+            <a:endParaRPr lang="sk-SK" dirty="0" smtClean="0"/>
+          </a:p>
+          <a:p>
+            <a:r>
+              <a:rPr lang="sk-SK" dirty="0">
+                <a:hlinkClick r:id="rId5"/>
+              </a:rPr>
+              <a:t>https</a:t>
+            </a:r>
+            <a:r>
+              <a:rPr lang="sk-SK">
+                <a:hlinkClick r:id="rId5"/>
+              </a:rPr>
+              <a:t>://</a:t>
+            </a:r>
+            <a:r>
+              <a:rPr lang="sk-SK" smtClean="0">
+                <a:hlinkClick r:id="rId5"/>
+              </a:rPr>
+              <a:t>www.researchgate.net/figure/A-hypothetical-example-of-Multilayer-Perceptron-Network_fig4_303875065</a:t>
+            </a:r>
+            <a:endParaRPr lang="sk-SK" smtClean="0"/>
+          </a:p>
+          <a:p>
+            <a:r>
+              <a:rPr lang="sk-SK"/>
+              <a:t>https://towardsdatascience.com/activation-functions-neural-networks-1cbd9f8d91d6</a:t>
+            </a:r>
+            <a:endParaRPr lang="sk-SK" dirty="0"/>
+          </a:p>
+        </p:txBody>
+      </p:sp>
+    </p:spTree>
+    <p:extLst>
+      <p:ext uri="{BB962C8B-B14F-4D97-AF65-F5344CB8AC3E}">
+        <p14:creationId xmlns:p14="http://schemas.microsoft.com/office/powerpoint/2010/main" val="501008502"/>
+      </p:ext>
+    </p:extLst>
+  </p:cSld>
+  <p:clrMapOvr>
+    <a:masterClrMapping/>
+  </p:clrMapOvr>
+  <p:timing>
+    <p:tnLst>
+      <p:par>
+        <p:cTn id="1" dur="indefinite" restart="never" nodeType="tmRoot"/>
+      </p:par>
+    </p:tnLst>
+  </p:timing>
 </p:sld>
 </file>
 
@@ -6107,31 +6369,45 @@
           <a:lstStyle/>
           <a:p>
             <a:r>
+              <a:rPr lang="sk-SK" dirty="0" smtClean="0"/>
+              <a:t>Ciele</a:t>
+            </a:r>
+            <a:endParaRPr lang="sk-SK" dirty="0"/>
+          </a:p>
+        </p:txBody>
+      </p:sp>
+      <p:sp>
+        <p:nvSpPr>
+          <p:cNvPr id="3" name="Zástupný symbol obsahu 2"/>
+          <p:cNvSpPr>
+            <a:spLocks noGrp="1"/>
+          </p:cNvSpPr>
+          <p:nvPr>
+            <p:ph idx="1"/>
+          </p:nvPr>
+        </p:nvSpPr>
+        <p:spPr/>
+        <p:txBody>
+          <a:bodyPr/>
+          <a:lstStyle/>
+          <a:p>
+            <a:r>
+              <a:rPr lang="sk-SK" dirty="0" smtClean="0"/>
+              <a:t>Predikcia vývinu internetových vlastností na základe zvoleného </a:t>
+            </a:r>
+            <a:r>
               <a:rPr lang="sk-SK" dirty="0" err="1" smtClean="0"/>
-              <a:t>Dataset</a:t>
-            </a:r>
-            <a:endParaRPr lang="sk-SK" dirty="0"/>
-          </a:p>
-        </p:txBody>
-      </p:sp>
-      <p:sp>
-        <p:nvSpPr>
-          <p:cNvPr id="3" name="Zástupný symbol obsahu 2"/>
-          <p:cNvSpPr>
-            <a:spLocks noGrp="1"/>
-          </p:cNvSpPr>
-          <p:nvPr>
-            <p:ph idx="1"/>
-          </p:nvPr>
-        </p:nvSpPr>
-        <p:spPr/>
-        <p:txBody>
-          <a:bodyPr/>
-          <a:lstStyle/>
-          <a:p>
+              <a:t>datasetu</a:t>
+            </a:r>
             <a:r>
               <a:rPr lang="sk-SK" dirty="0" smtClean="0"/>
-              <a:t>3 „</a:t>
+              <a:t> </a:t>
+            </a:r>
+          </a:p>
+          <a:p>
+            <a:r>
+              <a:rPr lang="sk-SK" dirty="0" smtClean="0"/>
+              <a:t>Porovnanie jednotlivých hodnôt v rozličných „</a:t>
             </a:r>
             <a:r>
               <a:rPr lang="sk-SK" dirty="0" err="1" smtClean="0"/>
@@ -6139,146 +6415,13 @@
             </a:r>
             <a:r>
               <a:rPr lang="sk-SK" dirty="0" smtClean="0"/>
-              <a:t>“ modely: </a:t>
-            </a:r>
-            <a:r>
-              <a:rPr lang="en-US" dirty="0" smtClean="0"/>
-              <a:t>Uniform </a:t>
-            </a:r>
-            <a:r>
-              <a:rPr lang="en-US" dirty="0"/>
-              <a:t>(UN), Hot Region (HR), </a:t>
-            </a:r>
+              <a:t>“ modeloch</a:t>
+            </a:r>
+          </a:p>
+          <a:p>
             <a:r>
               <a:rPr lang="sk-SK" dirty="0" smtClean="0"/>
-              <a:t>a</a:t>
-            </a:r>
-            <a:r>
-              <a:rPr lang="en-US" dirty="0" smtClean="0"/>
-              <a:t> </a:t>
-            </a:r>
-            <a:r>
-              <a:rPr lang="en-US" dirty="0"/>
-              <a:t>Perfect Shuffle (PS</a:t>
-            </a:r>
-            <a:r>
-              <a:rPr lang="en-US" dirty="0" smtClean="0"/>
-              <a:t>)</a:t>
-            </a:r>
-            <a:endParaRPr lang="sk-SK" dirty="0" smtClean="0"/>
-          </a:p>
-          <a:p>
-            <a:r>
-              <a:rPr lang="sk-SK" dirty="0" smtClean="0"/>
-              <a:t>Dáta</a:t>
-            </a:r>
-            <a:r>
-              <a:rPr lang="sk-SK" dirty="0"/>
-              <a:t>: </a:t>
-            </a:r>
-            <a:r>
-              <a:rPr lang="sk-SK" dirty="0" err="1"/>
-              <a:t>Processor</a:t>
-            </a:r>
-            <a:r>
-              <a:rPr lang="sk-SK" dirty="0"/>
-              <a:t> </a:t>
-            </a:r>
-            <a:r>
-              <a:rPr lang="sk-SK" dirty="0" err="1" smtClean="0"/>
-              <a:t>Utilization</a:t>
-            </a:r>
-            <a:r>
-              <a:rPr lang="sk-SK" dirty="0" smtClean="0"/>
-              <a:t> (Využitie procesora), </a:t>
-            </a:r>
-            <a:r>
-              <a:rPr lang="sk-SK" dirty="0" err="1"/>
-              <a:t>Channel</a:t>
-            </a:r>
-            <a:r>
-              <a:rPr lang="sk-SK" dirty="0"/>
-              <a:t> </a:t>
-            </a:r>
-            <a:r>
-              <a:rPr lang="sk-SK" dirty="0" err="1"/>
-              <a:t>Utilization</a:t>
-            </a:r>
-            <a:r>
-              <a:rPr lang="sk-SK" dirty="0"/>
-              <a:t> </a:t>
-            </a:r>
-            <a:r>
-              <a:rPr lang="sk-SK" dirty="0" smtClean="0"/>
-              <a:t>(Využitie kanálov), </a:t>
-            </a:r>
-            <a:r>
-              <a:rPr lang="sk-SK" dirty="0" err="1"/>
-              <a:t>Input</a:t>
-            </a:r>
-            <a:r>
-              <a:rPr lang="sk-SK" dirty="0"/>
-              <a:t> </a:t>
-            </a:r>
-            <a:r>
-              <a:rPr lang="sk-SK" dirty="0" err="1"/>
-              <a:t>Waiting</a:t>
-            </a:r>
-            <a:r>
-              <a:rPr lang="sk-SK" dirty="0"/>
-              <a:t> </a:t>
-            </a:r>
-            <a:r>
-              <a:rPr lang="sk-SK" dirty="0" err="1"/>
-              <a:t>Time</a:t>
-            </a:r>
-            <a:r>
-              <a:rPr lang="sk-SK" dirty="0"/>
-              <a:t> </a:t>
-            </a:r>
-            <a:r>
-              <a:rPr lang="sk-SK" dirty="0" smtClean="0"/>
-              <a:t>(Čakacia doba vstupov), </a:t>
-            </a:r>
-            <a:r>
-              <a:rPr lang="sk-SK" dirty="0" err="1"/>
-              <a:t>Channel</a:t>
-            </a:r>
-            <a:r>
-              <a:rPr lang="sk-SK" dirty="0"/>
-              <a:t> </a:t>
-            </a:r>
-            <a:r>
-              <a:rPr lang="sk-SK" dirty="0" err="1"/>
-              <a:t>Waiting</a:t>
-            </a:r>
-            <a:r>
-              <a:rPr lang="sk-SK" dirty="0"/>
-              <a:t> </a:t>
-            </a:r>
-            <a:r>
-              <a:rPr lang="sk-SK" dirty="0" err="1"/>
-              <a:t>Time</a:t>
-            </a:r>
-            <a:r>
-              <a:rPr lang="sk-SK" dirty="0"/>
-              <a:t> </a:t>
-            </a:r>
-            <a:r>
-              <a:rPr lang="sk-SK" dirty="0" smtClean="0"/>
-              <a:t>(Čakacia doba kanálov) </a:t>
-            </a:r>
-          </a:p>
-          <a:p>
-            <a:r>
-              <a:rPr lang="sk-SK" dirty="0" smtClean="0"/>
-              <a:t>Čistenie: 3 modely s príslušnými dátami vybratými na základe ich vzájomnej súvislosti</a:t>
-            </a:r>
-          </a:p>
-          <a:p>
-            <a:r>
-              <a:rPr lang="sk-SK" dirty="0" smtClean="0"/>
-              <a:t>Export dát, spojenie do jedného súboru (Excel TEXTJOIN)</a:t>
+              <a:t>Vyhodnotenie výsledkov </a:t>
             </a:r>
             <a:endParaRPr lang="sk-SK" dirty="0"/>
           </a:p>
@@ -6287,13 +6430,20 @@
     </p:spTree>
     <p:extLst>
       <p:ext uri="{BB962C8B-B14F-4D97-AF65-F5344CB8AC3E}">
-        <p14:creationId xmlns:p14="http://schemas.microsoft.com/office/powerpoint/2010/main" val="306825561"/>
+        <p14:creationId xmlns:p14="http://schemas.microsoft.com/office/powerpoint/2010/main" val="842959025"/>
       </p:ext>
     </p:extLst>
   </p:cSld>
   <p:clrMapOvr>
     <a:masterClrMapping/>
   </p:clrMapOvr>
+  <p:timing>
+    <p:tnLst>
+      <p:par>
+        <p:cTn id="1" dur="indefinite" restart="never" nodeType="tmRoot"/>
+      </p:par>
+    </p:tnLst>
+  </p:timing>
 </p:sld>
 </file>
 
@@ -6334,101 +6484,155 @@
               <a:t>Perceptron</a:t>
             </a:r>
             <a:r>
+              <a:rPr lang="sk-SK" dirty="0" smtClean="0"/>
+              <a:t> v </a:t>
+            </a:r>
+            <a:r>
+              <a:rPr lang="sk-SK" dirty="0" err="1" smtClean="0"/>
+              <a:t>Pythone</a:t>
+            </a:r>
+            <a:endParaRPr lang="sk-SK" dirty="0"/>
+          </a:p>
+        </p:txBody>
+      </p:sp>
+      <p:sp>
+        <p:nvSpPr>
+          <p:cNvPr id="3" name="Zástupný symbol obsahu 2"/>
+          <p:cNvSpPr>
+            <a:spLocks noGrp="1"/>
+          </p:cNvSpPr>
+          <p:nvPr>
+            <p:ph idx="1"/>
+          </p:nvPr>
+        </p:nvSpPr>
+        <p:spPr/>
+        <p:txBody>
+          <a:bodyPr>
+            <a:normAutofit/>
+          </a:bodyPr>
+          <a:lstStyle/>
+          <a:p>
+            <a:r>
+              <a:rPr lang="sk-SK" dirty="0" smtClean="0"/>
+              <a:t>Import knižníc: </a:t>
+            </a:r>
+            <a:r>
+              <a:rPr lang="sk-SK" dirty="0" err="1"/>
+              <a:t>n</a:t>
+            </a:r>
+            <a:r>
+              <a:rPr lang="sk-SK" dirty="0" err="1" smtClean="0"/>
+              <a:t>umpy</a:t>
+            </a:r>
+            <a:r>
+              <a:rPr lang="sk-SK" dirty="0" smtClean="0"/>
+              <a:t>, </a:t>
+            </a:r>
+            <a:r>
+              <a:rPr lang="sk-SK" dirty="0" err="1"/>
+              <a:t>p</a:t>
+            </a:r>
+            <a:r>
+              <a:rPr lang="sk-SK" dirty="0" err="1" smtClean="0"/>
+              <a:t>andas</a:t>
+            </a:r>
+            <a:r>
+              <a:rPr lang="sk-SK" dirty="0" smtClean="0"/>
+              <a:t>, </a:t>
+            </a:r>
+            <a:r>
+              <a:rPr lang="sk-SK" dirty="0" err="1" smtClean="0"/>
+              <a:t>matplotlib.pylot</a:t>
+            </a:r>
+            <a:endParaRPr lang="sk-SK" dirty="0" smtClean="0"/>
+          </a:p>
+          <a:p>
+            <a:r>
+              <a:rPr lang="sk-SK" dirty="0" err="1" smtClean="0"/>
+              <a:t>Pandas</a:t>
+            </a:r>
+            <a:r>
               <a:rPr lang="sk-SK" dirty="0"/>
-              <a:t/>
-            </a:r>
-            <a:br>
-              <a:rPr lang="sk-SK" dirty="0"/>
-            </a:br>
-            <a:endParaRPr lang="sk-SK" dirty="0"/>
-          </a:p>
-        </p:txBody>
-      </p:sp>
-      <p:sp>
-        <p:nvSpPr>
-          <p:cNvPr id="3" name="Zástupný symbol obsahu 2"/>
-          <p:cNvSpPr>
-            <a:spLocks noGrp="1"/>
-          </p:cNvSpPr>
-          <p:nvPr>
-            <p:ph idx="1"/>
-          </p:nvPr>
-        </p:nvSpPr>
-        <p:spPr/>
-        <p:txBody>
-          <a:bodyPr/>
-          <a:lstStyle/>
-          <a:p>
+              <a:t> </a:t>
+            </a:r>
             <a:r>
               <a:rPr lang="sk-SK" dirty="0" smtClean="0"/>
-              <a:t>Rozdelenie do 2 tried (</a:t>
-            </a:r>
+              <a:t>– analýza dát, podobne ako Excel</a:t>
+            </a:r>
+          </a:p>
+          <a:p>
             <a:r>
               <a:rPr lang="sk-SK" dirty="0" err="1" smtClean="0"/>
-              <a:t>X,y</a:t>
+              <a:t>Numpy</a:t>
             </a:r>
             <a:r>
               <a:rPr lang="sk-SK" dirty="0" smtClean="0"/>
-              <a:t>)</a:t>
+              <a:t> – vedecké výpočty, matice, algebra</a:t>
             </a:r>
           </a:p>
           <a:p>
             <a:r>
               <a:rPr lang="sk-SK" dirty="0" err="1" smtClean="0"/>
-              <a:t>Perceptrónu</a:t>
+              <a:t>Matplotlib.pylot</a:t>
             </a:r>
             <a:r>
               <a:rPr lang="sk-SK" dirty="0" smtClean="0"/>
-              <a:t> sa </a:t>
-            </a:r>
-            <a:r>
-              <a:rPr lang="sk-SK" dirty="0"/>
-              <a:t>prezentuje nejaký </a:t>
+              <a:t> – vykresľovanie grafov na základe získaných údajov</a:t>
+            </a:r>
+          </a:p>
+          <a:p>
+            <a:r>
+              <a:rPr lang="sk-SK" dirty="0" err="1" smtClean="0"/>
+              <a:t>from</a:t>
             </a:r>
             <a:r>
               <a:rPr lang="sk-SK" dirty="0" smtClean="0"/>
-              <a:t>vstup </a:t>
-            </a:r>
-            <a:r>
-              <a:rPr lang="sk-SK" dirty="0"/>
-              <a:t>a on vráti výstup. Získaný výstup sa porovná s </a:t>
+              <a:t> </a:t>
+            </a:r>
+            <a:r>
+              <a:rPr lang="sk-SK" dirty="0" err="1" smtClean="0"/>
+              <a:t>sklearn.model_selection</a:t>
             </a:r>
             <a:r>
               <a:rPr lang="sk-SK" dirty="0" smtClean="0"/>
-              <a:t>očakávaným </a:t>
-            </a:r>
-            <a:r>
-              <a:rPr lang="sk-SK" dirty="0"/>
-              <a:t>výstupom a vypočíta sa chyba, ktorú </a:t>
-            </a:r>
-            <a:r>
-              <a:rPr lang="sk-SK" dirty="0" err="1"/>
-              <a:t>perceptrón</a:t>
-            </a:r>
-            <a:r>
-              <a:rPr lang="sk-SK" dirty="0"/>
-              <a:t> spravil. Táto chyba sa potom použije na úpravu váh</a:t>
+              <a:t> import </a:t>
+            </a:r>
+            <a:r>
+              <a:rPr lang="sk-SK" dirty="0" err="1" smtClean="0"/>
+              <a:t>train_test_split</a:t>
             </a:r>
             <a:r>
               <a:rPr lang="sk-SK" dirty="0" smtClean="0"/>
-              <a:t>.</a:t>
-            </a:r>
-          </a:p>
-          <a:p>
-            <a:endParaRPr lang="sk-SK" dirty="0"/>
+              <a:t> – </a:t>
+            </a:r>
+            <a:r>
+              <a:rPr lang="sk-SK" dirty="0" err="1" smtClean="0"/>
+              <a:t>trénovacie</a:t>
+            </a:r>
+            <a:r>
+              <a:rPr lang="sk-SK" dirty="0" smtClean="0"/>
+              <a:t> a testovacie dáta </a:t>
+            </a:r>
           </a:p>
         </p:txBody>
       </p:sp>
     </p:spTree>
     <p:extLst>
       <p:ext uri="{BB962C8B-B14F-4D97-AF65-F5344CB8AC3E}">
-        <p14:creationId xmlns:p14="http://schemas.microsoft.com/office/powerpoint/2010/main" val="1083280540"/>
+        <p14:creationId xmlns:p14="http://schemas.microsoft.com/office/powerpoint/2010/main" val="965669443"/>
       </p:ext>
     </p:extLst>
   </p:cSld>
   <p:clrMapOvr>
     <a:masterClrMapping/>
   </p:clrMapOvr>
+  <p:timing>
+    <p:tnLst>
+      <p:par>
+        <p:cTn id="1" dur="indefinite" restart="never" nodeType="tmRoot"/>
+      </p:par>
+    </p:tnLst>
+  </p:timing>
 </p:sld>
 </file>
 
@@ -6466,68 +6670,222 @@
           <a:p>
             <a:r>
               <a:rPr lang="sk-SK" dirty="0" err="1" smtClean="0"/>
-              <a:t>Perceptron</a:t>
+              <a:t>Dataset</a:t>
+            </a:r>
+            <a:endParaRPr lang="sk-SK" dirty="0"/>
+          </a:p>
+        </p:txBody>
+      </p:sp>
+      <p:sp>
+        <p:nvSpPr>
+          <p:cNvPr id="3" name="Zástupný symbol obsahu 2"/>
+          <p:cNvSpPr>
+            <a:spLocks noGrp="1"/>
+          </p:cNvSpPr>
+          <p:nvPr>
+            <p:ph idx="1"/>
+          </p:nvPr>
+        </p:nvSpPr>
+        <p:spPr/>
+        <p:txBody>
+          <a:bodyPr/>
+          <a:lstStyle/>
+          <a:p>
+            <a:r>
+              <a:rPr lang="sk-SK" dirty="0" smtClean="0"/>
+              <a:t>Súbor údajov o optickom internetovom pripojení 470 x 5</a:t>
+            </a:r>
+          </a:p>
+          <a:p>
+            <a:r>
+              <a:rPr lang="sk-SK" dirty="0" smtClean="0"/>
+              <a:t>3 „</a:t>
+            </a:r>
+            <a:r>
+              <a:rPr lang="sk-SK" dirty="0" err="1" smtClean="0"/>
+              <a:t>traffic</a:t>
+            </a:r>
+            <a:r>
+              <a:rPr lang="sk-SK" dirty="0" smtClean="0"/>
+              <a:t>“ modely: </a:t>
+            </a:r>
+            <a:r>
+              <a:rPr lang="en-US" dirty="0" smtClean="0"/>
+              <a:t>Uniform </a:t>
+            </a:r>
+            <a:r>
+              <a:rPr lang="en-US" dirty="0"/>
+              <a:t>(UN), Hot Region (HR), </a:t>
+            </a:r>
+            <a:r>
+              <a:rPr lang="sk-SK" dirty="0" smtClean="0"/>
+              <a:t>a</a:t>
+            </a:r>
+            <a:r>
+              <a:rPr lang="en-US" dirty="0" smtClean="0"/>
+              <a:t> </a:t>
+            </a:r>
+            <a:r>
+              <a:rPr lang="en-US" dirty="0"/>
+              <a:t>Perfect Shuffle (PS</a:t>
+            </a:r>
+            <a:r>
+              <a:rPr lang="en-US" dirty="0" smtClean="0"/>
+              <a:t>)</a:t>
+            </a:r>
+            <a:endParaRPr lang="sk-SK" dirty="0" smtClean="0"/>
+          </a:p>
+          <a:p>
+            <a:r>
+              <a:rPr lang="sk-SK" dirty="0" smtClean="0"/>
+              <a:t>Dáta</a:t>
             </a:r>
             <a:r>
               <a:rPr lang="sk-SK" dirty="0"/>
-              <a:t/>
-            </a:r>
-            <a:br>
+              <a:t>: </a:t>
+            </a:r>
+            <a:r>
+              <a:rPr lang="sk-SK" dirty="0" err="1"/>
+              <a:t>Processor</a:t>
+            </a:r>
+            <a:r>
               <a:rPr lang="sk-SK" dirty="0"/>
-            </a:br>
-            <a:endParaRPr lang="sk-SK" dirty="0"/>
-          </a:p>
-        </p:txBody>
-      </p:sp>
-      <p:sp>
-        <p:nvSpPr>
-          <p:cNvPr id="3" name="Zástupný symbol obsahu 2"/>
-          <p:cNvSpPr>
-            <a:spLocks noGrp="1"/>
-          </p:cNvSpPr>
-          <p:nvPr>
-            <p:ph idx="1"/>
-          </p:nvPr>
-        </p:nvSpPr>
-        <p:spPr/>
-        <p:txBody>
-          <a:bodyPr/>
-          <a:lstStyle/>
-          <a:p>
+              <a:t> </a:t>
+            </a:r>
+            <a:r>
+              <a:rPr lang="sk-SK" dirty="0" err="1" smtClean="0"/>
+              <a:t>Utilization</a:t>
+            </a:r>
             <a:r>
               <a:rPr lang="sk-SK" dirty="0" smtClean="0"/>
-              <a:t>Určený na dichotomickú klasifikáciu (rozdelenie do 2 tried), pri ktorých sa predpokladá, že sú lineárne separovateľné</a:t>
-            </a:r>
-          </a:p>
-          <a:p>
+              <a:t> (Využitie procesora), </a:t>
+            </a:r>
+            <a:r>
+              <a:rPr lang="sk-SK" dirty="0" err="1"/>
+              <a:t>Channel</a:t>
+            </a:r>
+            <a:r>
+              <a:rPr lang="sk-SK" dirty="0"/>
+              <a:t> </a:t>
+            </a:r>
+            <a:r>
+              <a:rPr lang="sk-SK" dirty="0" err="1"/>
+              <a:t>Utilization</a:t>
+            </a:r>
+            <a:r>
+              <a:rPr lang="sk-SK" dirty="0"/>
+              <a:t> </a:t>
+            </a:r>
             <a:r>
               <a:rPr lang="sk-SK" dirty="0" smtClean="0"/>
-              <a:t>Učenie s </a:t>
-            </a:r>
-            <a:r>
-              <a:rPr lang="sk-SK" dirty="0" err="1" smtClean="0"/>
-              <a:t>učitelom</a:t>
+              <a:t>(Využitie kanálov), </a:t>
+            </a:r>
+            <a:r>
+              <a:rPr lang="sk-SK" dirty="0" err="1"/>
+              <a:t>Input</a:t>
+            </a:r>
+            <a:r>
+              <a:rPr lang="sk-SK" dirty="0"/>
+              <a:t> </a:t>
+            </a:r>
+            <a:r>
+              <a:rPr lang="sk-SK" dirty="0" err="1"/>
+              <a:t>Waiting</a:t>
+            </a:r>
+            <a:r>
+              <a:rPr lang="sk-SK" dirty="0"/>
+              <a:t> </a:t>
+            </a:r>
+            <a:r>
+              <a:rPr lang="sk-SK" dirty="0" err="1"/>
+              <a:t>Time</a:t>
+            </a:r>
+            <a:r>
+              <a:rPr lang="sk-SK" dirty="0"/>
+              <a:t> </a:t>
             </a:r>
             <a:r>
               <a:rPr lang="sk-SK" dirty="0" smtClean="0"/>
-              <a:t> – sú známe príklady správneho správania a správnej transformácie vstupných vektorov na vektory výstupné</a:t>
-            </a:r>
-          </a:p>
-          <a:p>
-            <a:endParaRPr lang="sk-SK" dirty="0"/>
-          </a:p>
-        </p:txBody>
-      </p:sp>
+              <a:t>(Čakacia doba vstupov), </a:t>
+            </a:r>
+            <a:r>
+              <a:rPr lang="sk-SK" dirty="0" err="1"/>
+              <a:t>Channel</a:t>
+            </a:r>
+            <a:r>
+              <a:rPr lang="sk-SK" dirty="0"/>
+              <a:t> </a:t>
+            </a:r>
+            <a:r>
+              <a:rPr lang="sk-SK" dirty="0" err="1"/>
+              <a:t>Waiting</a:t>
+            </a:r>
+            <a:r>
+              <a:rPr lang="sk-SK" dirty="0"/>
+              <a:t> </a:t>
+            </a:r>
+            <a:r>
+              <a:rPr lang="sk-SK" dirty="0" err="1"/>
+              <a:t>Time</a:t>
+            </a:r>
+            <a:r>
+              <a:rPr lang="sk-SK" dirty="0"/>
+              <a:t> </a:t>
+            </a:r>
+            <a:r>
+              <a:rPr lang="sk-SK" dirty="0" smtClean="0"/>
+              <a:t>(Čakacia doba kanálov) </a:t>
+            </a:r>
+          </a:p>
+        </p:txBody>
+      </p:sp>
+      <p:pic>
+        <p:nvPicPr>
+          <p:cNvPr id="4" name="Obrázok 3"/>
+          <p:cNvPicPr>
+            <a:picLocks noChangeAspect="1"/>
+          </p:cNvPicPr>
+          <p:nvPr/>
+        </p:nvPicPr>
+        <p:blipFill>
+          <a:blip r:embed="rId2">
+            <a:extLst>
+              <a:ext uri="{28A0092B-C50C-407E-A947-70E740481C1C}">
+                <a14:useLocalDpi xmlns:a14="http://schemas.microsoft.com/office/drawing/2010/main" val="0"/>
+              </a:ext>
+            </a:extLst>
+          </a:blip>
+          <a:stretch>
+            <a:fillRect/>
+          </a:stretch>
+        </p:blipFill>
+        <p:spPr>
+          <a:xfrm>
+            <a:off x="1528570" y="4387848"/>
+            <a:ext cx="6449325" cy="1771897"/>
+          </a:xfrm>
+          <a:prstGeom prst="rect">
+            <a:avLst/>
+          </a:prstGeom>
+        </p:spPr>
+      </p:pic>
     </p:spTree>
     <p:extLst>
       <p:ext uri="{BB962C8B-B14F-4D97-AF65-F5344CB8AC3E}">
-        <p14:creationId xmlns:p14="http://schemas.microsoft.com/office/powerpoint/2010/main" val="2761117542"/>
+        <p14:creationId xmlns:p14="http://schemas.microsoft.com/office/powerpoint/2010/main" val="306825561"/>
       </p:ext>
     </p:extLst>
   </p:cSld>
   <p:clrMapOvr>
     <a:masterClrMapping/>
   </p:clrMapOvr>
+  <p:timing>
+    <p:tnLst>
+      <p:par>
+        <p:cTn id="1" dur="indefinite" restart="never" nodeType="tmRoot"/>
+      </p:par>
+    </p:tnLst>
+  </p:timing>
 </p:sld>
 </file>
 
@@ -6565,15 +6923,7 @@
           <a:p>
             <a:r>
               <a:rPr lang="sk-SK" dirty="0" err="1" smtClean="0"/>
-              <a:t>Perceptron</a:t>
-            </a:r>
-            <a:r>
-              <a:rPr lang="sk-SK" dirty="0" smtClean="0"/>
-              <a:t> v </a:t>
-            </a:r>
-            <a:r>
-              <a:rPr lang="sk-SK" dirty="0" err="1" smtClean="0"/>
-              <a:t>Pythone</a:t>
+              <a:t>Dataset</a:t>
             </a:r>
             <a:endParaRPr lang="sk-SK" dirty="0"/>
           </a:p>
@@ -6591,260 +6941,108 @@
         </p:nvSpPr>
         <p:spPr/>
         <p:txBody>
-          <a:bodyPr>
-            <a:normAutofit lnSpcReduction="10000"/>
-          </a:bodyPr>
-          <a:lstStyle/>
-          <a:p>
-            <a:r>
-              <a:rPr lang="sk-SK" dirty="0" smtClean="0"/>
-              <a:t>Import knižníc: </a:t>
-            </a:r>
-            <a:r>
-              <a:rPr lang="sk-SK" dirty="0" err="1"/>
-              <a:t>n</a:t>
-            </a:r>
-            <a:r>
-              <a:rPr lang="sk-SK" dirty="0" err="1" smtClean="0"/>
-              <a:t>umpy</a:t>
-            </a:r>
-            <a:r>
-              <a:rPr lang="sk-SK" dirty="0" smtClean="0"/>
-              <a:t>, </a:t>
-            </a:r>
-            <a:r>
-              <a:rPr lang="sk-SK" dirty="0" err="1"/>
-              <a:t>p</a:t>
-            </a:r>
-            <a:r>
-              <a:rPr lang="sk-SK" dirty="0" err="1" smtClean="0"/>
-              <a:t>andas</a:t>
-            </a:r>
-            <a:r>
-              <a:rPr lang="sk-SK" dirty="0" smtClean="0"/>
-              <a:t>, </a:t>
-            </a:r>
-            <a:r>
-              <a:rPr lang="sk-SK" dirty="0" err="1" smtClean="0"/>
-              <a:t>matplotlib.pylot</a:t>
-            </a:r>
-            <a:endParaRPr lang="sk-SK" dirty="0" smtClean="0"/>
-          </a:p>
-          <a:p>
-            <a:r>
-              <a:rPr lang="sk-SK" dirty="0" err="1" smtClean="0"/>
-              <a:t>Pandas</a:t>
-            </a:r>
+          <a:bodyPr/>
+          <a:lstStyle/>
+          <a:p>
             <a:r>
               <a:rPr lang="sk-SK" dirty="0"/>
-              <a:t> </a:t>
-            </a:r>
-            <a:r>
-              <a:rPr lang="sk-SK" dirty="0" smtClean="0"/>
-              <a:t>– analýza dát, podobne ako Excel</a:t>
-            </a:r>
-          </a:p>
-          <a:p>
-            <a:r>
-              <a:rPr lang="sk-SK" dirty="0" err="1" smtClean="0"/>
-              <a:t>Numpy</a:t>
-            </a:r>
-            <a:r>
-              <a:rPr lang="sk-SK" dirty="0" smtClean="0"/>
-              <a:t> – vedecké výpočty, matice, algebra</a:t>
-            </a:r>
-          </a:p>
-          <a:p>
-            <a:r>
-              <a:rPr lang="sk-SK" dirty="0" err="1" smtClean="0"/>
-              <a:t>Matplotlib.pylot</a:t>
-            </a:r>
-            <a:r>
-              <a:rPr lang="sk-SK" dirty="0" smtClean="0"/>
-              <a:t> – vykresľovanie grafov na základe získaných </a:t>
-            </a:r>
-            <a:r>
-              <a:rPr lang="sk-SK" dirty="0" smtClean="0"/>
-              <a:t>údajov</a:t>
-            </a:r>
-          </a:p>
-          <a:p>
-            <a:r>
-              <a:rPr lang="sk-SK" dirty="0" err="1"/>
-              <a:t>from</a:t>
-            </a:r>
+              <a:t>Čistenie: 3 modely s príslušnými dátami vybratými na základe ich vzájomnej súvislosti</a:t>
+            </a:r>
+          </a:p>
+          <a:p>
+            <a:pPr marL="0" indent="0">
+              <a:buNone/>
+            </a:pPr>
+            <a:endParaRPr lang="sk-SK" dirty="0"/>
+          </a:p>
+          <a:p>
             <a:r>
               <a:rPr lang="sk-SK" dirty="0"/>
-              <a:t> </a:t>
-            </a:r>
-            <a:r>
-              <a:rPr lang="sk-SK" dirty="0" err="1"/>
-              <a:t>keras.models</a:t>
-            </a:r>
-            <a:r>
-              <a:rPr lang="sk-SK" dirty="0"/>
-              <a:t> import </a:t>
-            </a:r>
-            <a:r>
-              <a:rPr lang="sk-SK" dirty="0" err="1" smtClean="0"/>
-              <a:t>Sequential</a:t>
-            </a:r>
-            <a:r>
-              <a:rPr lang="sk-SK" dirty="0" smtClean="0"/>
-              <a:t> - </a:t>
-            </a:r>
+              <a:t>Export dát, spojenie do jedného súboru (Excel TEXTJOIN)</a:t>
+            </a:r>
+          </a:p>
+          <a:p>
             <a:endParaRPr lang="sk-SK" dirty="0"/>
           </a:p>
-          <a:p>
-            <a:r>
-              <a:rPr lang="sk-SK" dirty="0" err="1"/>
-              <a:t>from</a:t>
-            </a:r>
-            <a:r>
-              <a:rPr lang="sk-SK" dirty="0"/>
-              <a:t> </a:t>
-            </a:r>
-            <a:r>
-              <a:rPr lang="sk-SK" dirty="0" err="1"/>
-              <a:t>keras.layers</a:t>
-            </a:r>
-            <a:r>
-              <a:rPr lang="sk-SK" dirty="0"/>
-              <a:t> import </a:t>
-            </a:r>
-            <a:r>
-              <a:rPr lang="sk-SK" dirty="0" err="1" smtClean="0"/>
-              <a:t>Dense</a:t>
-            </a:r>
-            <a:r>
-              <a:rPr lang="sk-SK" dirty="0"/>
-              <a:t> </a:t>
-            </a:r>
-            <a:r>
-              <a:rPr lang="sk-SK" dirty="0" smtClean="0"/>
-              <a:t>- </a:t>
-            </a:r>
-            <a:endParaRPr lang="sk-SK" dirty="0"/>
-          </a:p>
-          <a:p>
-            <a:r>
-              <a:rPr lang="sk-SK" dirty="0" err="1"/>
-              <a:t>from</a:t>
-            </a:r>
-            <a:r>
-              <a:rPr lang="sk-SK" dirty="0"/>
-              <a:t> </a:t>
-            </a:r>
-            <a:r>
-              <a:rPr lang="sk-SK" dirty="0" err="1"/>
-              <a:t>keras.utils</a:t>
-            </a:r>
-            <a:r>
-              <a:rPr lang="sk-SK" dirty="0"/>
-              <a:t> import </a:t>
-            </a:r>
-            <a:r>
-              <a:rPr lang="sk-SK" dirty="0" err="1" smtClean="0"/>
-              <a:t>np_utils</a:t>
-            </a:r>
-            <a:r>
-              <a:rPr lang="sk-SK" dirty="0" smtClean="0"/>
-              <a:t> - </a:t>
-            </a:r>
-            <a:endParaRPr lang="sk-SK" dirty="0"/>
-          </a:p>
-          <a:p>
-            <a:r>
-              <a:rPr lang="sk-SK" dirty="0" err="1"/>
-              <a:t>from</a:t>
-            </a:r>
-            <a:r>
-              <a:rPr lang="sk-SK" dirty="0"/>
-              <a:t> </a:t>
-            </a:r>
-            <a:r>
-              <a:rPr lang="sk-SK" dirty="0" err="1"/>
-              <a:t>keras.utils</a:t>
-            </a:r>
-            <a:r>
-              <a:rPr lang="sk-SK" dirty="0"/>
-              <a:t> import </a:t>
-            </a:r>
-            <a:r>
-              <a:rPr lang="sk-SK" dirty="0" err="1" smtClean="0"/>
-              <a:t>to_categorical</a:t>
-            </a:r>
-            <a:r>
-              <a:rPr lang="sk-SK" dirty="0" smtClean="0"/>
-              <a:t> - </a:t>
-            </a:r>
-            <a:endParaRPr lang="sk-SK" dirty="0"/>
-          </a:p>
-          <a:p>
-            <a:r>
-              <a:rPr lang="sk-SK" dirty="0" err="1"/>
-              <a:t>from</a:t>
-            </a:r>
-            <a:r>
-              <a:rPr lang="sk-SK" dirty="0"/>
-              <a:t> </a:t>
-            </a:r>
-            <a:r>
-              <a:rPr lang="sk-SK" dirty="0" err="1"/>
-              <a:t>sklearn.model_selection</a:t>
-            </a:r>
-            <a:r>
-              <a:rPr lang="sk-SK" dirty="0"/>
-              <a:t> import </a:t>
-            </a:r>
-            <a:r>
-              <a:rPr lang="sk-SK" dirty="0" err="1" smtClean="0"/>
-              <a:t>train_test_split</a:t>
-            </a:r>
-            <a:r>
-              <a:rPr lang="sk-SK" dirty="0" smtClean="0"/>
-              <a:t> – </a:t>
-            </a:r>
-          </a:p>
-          <a:p>
-            <a:r>
-              <a:rPr lang="sk-SK" dirty="0" err="1"/>
-              <a:t>from</a:t>
-            </a:r>
-            <a:r>
-              <a:rPr lang="sk-SK" dirty="0"/>
-              <a:t> </a:t>
-            </a:r>
-            <a:r>
-              <a:rPr lang="sk-SK" dirty="0" err="1"/>
-              <a:t>sklearn.neural_network</a:t>
-            </a:r>
-            <a:r>
-              <a:rPr lang="sk-SK" dirty="0"/>
-              <a:t> import </a:t>
-            </a:r>
-            <a:r>
-              <a:rPr lang="sk-SK" dirty="0" err="1" smtClean="0"/>
-              <a:t>MLPClassifier</a:t>
-            </a:r>
-            <a:r>
-              <a:rPr lang="sk-SK" dirty="0" smtClean="0"/>
-              <a:t> - </a:t>
-            </a:r>
-            <a:endParaRPr lang="sk-SK" dirty="0"/>
-          </a:p>
-        </p:txBody>
-      </p:sp>
+        </p:txBody>
+      </p:sp>
+      <p:pic>
+        <p:nvPicPr>
+          <p:cNvPr id="4" name="Obrázok 3"/>
+          <p:cNvPicPr>
+            <a:picLocks noChangeAspect="1"/>
+          </p:cNvPicPr>
+          <p:nvPr/>
+        </p:nvPicPr>
+        <p:blipFill>
+          <a:blip r:embed="rId2">
+            <a:extLst>
+              <a:ext uri="{28A0092B-C50C-407E-A947-70E740481C1C}">
+                <a14:useLocalDpi xmlns:a14="http://schemas.microsoft.com/office/drawing/2010/main" val="0"/>
+              </a:ext>
+            </a:extLst>
+          </a:blip>
+          <a:stretch>
+            <a:fillRect/>
+          </a:stretch>
+        </p:blipFill>
+        <p:spPr>
+          <a:xfrm>
+            <a:off x="4198899" y="2554342"/>
+            <a:ext cx="3019846" cy="447737"/>
+          </a:xfrm>
+          <a:prstGeom prst="rect">
+            <a:avLst/>
+          </a:prstGeom>
+        </p:spPr>
+      </p:pic>
+      <p:pic>
+        <p:nvPicPr>
+          <p:cNvPr id="5" name="Obrázok 4"/>
+          <p:cNvPicPr>
+            <a:picLocks noChangeAspect="1"/>
+          </p:cNvPicPr>
+          <p:nvPr/>
+        </p:nvPicPr>
+        <p:blipFill>
+          <a:blip r:embed="rId3">
+            <a:extLst>
+              <a:ext uri="{28A0092B-C50C-407E-A947-70E740481C1C}">
+                <a14:useLocalDpi xmlns:a14="http://schemas.microsoft.com/office/drawing/2010/main" val="0"/>
+              </a:ext>
+            </a:extLst>
+          </a:blip>
+          <a:stretch>
+            <a:fillRect/>
+          </a:stretch>
+        </p:blipFill>
+        <p:spPr>
+          <a:xfrm>
+            <a:off x="1543269" y="3693394"/>
+            <a:ext cx="9764488" cy="457264"/>
+          </a:xfrm>
+          <a:prstGeom prst="rect">
+            <a:avLst/>
+          </a:prstGeom>
+        </p:spPr>
+      </p:pic>
     </p:spTree>
     <p:extLst>
       <p:ext uri="{BB962C8B-B14F-4D97-AF65-F5344CB8AC3E}">
-        <p14:creationId xmlns:p14="http://schemas.microsoft.com/office/powerpoint/2010/main" val="965669443"/>
+        <p14:creationId xmlns:p14="http://schemas.microsoft.com/office/powerpoint/2010/main" val="4286754985"/>
       </p:ext>
     </p:extLst>
   </p:cSld>
   <p:clrMapOvr>
     <a:masterClrMapping/>
   </p:clrMapOvr>
+  <p:timing>
+    <p:tnLst>
+      <p:par>
+        <p:cTn id="1" dur="indefinite" restart="never" nodeType="tmRoot"/>
+      </p:par>
+    </p:tnLst>
+  </p:timing>
 </p:sld>
 </file>
 
@@ -6881,172 +7079,90 @@
           <a:lstStyle/>
           <a:p>
             <a:r>
-              <a:rPr lang="sk-SK" dirty="0" smtClean="0"/>
-              <a:t>Kód</a:t>
-            </a:r>
-            <a:endParaRPr lang="sk-SK" dirty="0"/>
-          </a:p>
-        </p:txBody>
-      </p:sp>
-      <p:sp>
-        <p:nvSpPr>
-          <p:cNvPr id="3" name="Zástupný symbol obsahu 2"/>
-          <p:cNvSpPr>
-            <a:spLocks noGrp="1"/>
-          </p:cNvSpPr>
-          <p:nvPr>
-            <p:ph idx="1"/>
-          </p:nvPr>
-        </p:nvSpPr>
-        <p:spPr/>
-        <p:txBody>
-          <a:bodyPr>
-            <a:normAutofit fontScale="92500" lnSpcReduction="10000"/>
-          </a:bodyPr>
-          <a:lstStyle/>
-          <a:p>
-            <a:r>
-              <a:rPr lang="sk-SK" dirty="0" smtClean="0"/>
-              <a:t>Import: </a:t>
-            </a:r>
-            <a:r>
-              <a:rPr lang="sk-SK" dirty="0" err="1" smtClean="0"/>
-              <a:t>numpy</a:t>
-            </a:r>
-            <a:r>
-              <a:rPr lang="sk-SK" dirty="0" smtClean="0"/>
-              <a:t>, </a:t>
-            </a:r>
-            <a:r>
-              <a:rPr lang="sk-SK" dirty="0" err="1" smtClean="0"/>
-              <a:t>pandas</a:t>
-            </a:r>
-            <a:r>
-              <a:rPr lang="sk-SK" dirty="0" smtClean="0"/>
-              <a:t>, </a:t>
-            </a:r>
-            <a:r>
-              <a:rPr lang="sk-SK" dirty="0" err="1" smtClean="0"/>
-              <a:t>matplotlib.pylot</a:t>
-            </a:r>
-            <a:endParaRPr lang="sk-SK" dirty="0" smtClean="0"/>
-          </a:p>
-          <a:p>
-            <a:r>
-              <a:rPr lang="sk-SK" dirty="0" smtClean="0"/>
-              <a:t>Deklarácia triedy </a:t>
-            </a:r>
-            <a:r>
               <a:rPr lang="sk-SK" dirty="0" err="1" smtClean="0"/>
               <a:t>Perceptron</a:t>
             </a:r>
             <a:r>
+              <a:rPr lang="sk-SK" dirty="0"/>
+              <a:t/>
+            </a:r>
+            <a:br>
+              <a:rPr lang="sk-SK" dirty="0"/>
+            </a:br>
+            <a:endParaRPr lang="sk-SK" dirty="0"/>
+          </a:p>
+        </p:txBody>
+      </p:sp>
+      <p:sp>
+        <p:nvSpPr>
+          <p:cNvPr id="3" name="Zástupný symbol obsahu 2"/>
+          <p:cNvSpPr>
+            <a:spLocks noGrp="1"/>
+          </p:cNvSpPr>
+          <p:nvPr>
+            <p:ph idx="1"/>
+          </p:nvPr>
+        </p:nvSpPr>
+        <p:spPr/>
+        <p:txBody>
+          <a:bodyPr/>
+          <a:lstStyle/>
+          <a:p>
+            <a:r>
               <a:rPr lang="sk-SK" dirty="0" smtClean="0"/>
-              <a:t> (</a:t>
-            </a:r>
+              <a:t>Určený </a:t>
+            </a:r>
+            <a:r>
+              <a:rPr lang="sk-SK" dirty="0"/>
+              <a:t>na dichotomickú klasifikáciu (rozdelenie do 2 tried), pri ktorých sa predpokladá, že sú lineárne separovateľné</a:t>
+            </a:r>
+          </a:p>
+          <a:p>
             <a:r>
               <a:rPr lang="sk-SK" dirty="0" err="1" smtClean="0"/>
-              <a:t>def</a:t>
+              <a:t>Perceptrónu</a:t>
             </a:r>
             <a:r>
               <a:rPr lang="sk-SK" dirty="0" smtClean="0"/>
-              <a:t> </a:t>
-            </a:r>
-            <a:r>
-              <a:rPr lang="sk-SK" dirty="0" err="1" smtClean="0"/>
-              <a:t>init</a:t>
+              <a:t> sa </a:t>
+            </a:r>
+            <a:r>
+              <a:rPr lang="sk-SK" dirty="0"/>
+              <a:t>prezentuje nejaký </a:t>
             </a:r>
             <a:r>
               <a:rPr lang="sk-SK" dirty="0" smtClean="0"/>
-              <a:t>, </a:t>
-            </a:r>
-            <a:r>
-              <a:rPr lang="sk-SK" dirty="0" err="1" smtClean="0"/>
-              <a:t>def</a:t>
+              <a:t>vstup </a:t>
+            </a:r>
+            <a:r>
+              <a:rPr lang="sk-SK" dirty="0"/>
+              <a:t>a on vráti výstup. Získaný výstup sa porovná s </a:t>
             </a:r>
             <a:r>
               <a:rPr lang="sk-SK" dirty="0" smtClean="0"/>
-              <a:t> fit, 	pole váhy, pole chyby, cyklus učenia </a:t>
-            </a:r>
-            <a:r>
-              <a:rPr lang="sk-SK" dirty="0" err="1" smtClean="0"/>
-              <a:t>perceptronu</a:t>
+              <a:t>očakávaným </a:t>
+            </a:r>
+            <a:r>
+              <a:rPr lang="sk-SK" dirty="0"/>
+              <a:t>výstupom a vypočíta sa chyba, ktorú </a:t>
+            </a:r>
+            <a:r>
+              <a:rPr lang="sk-SK" dirty="0" err="1"/>
+              <a:t>perceptrón</a:t>
+            </a:r>
+            <a:r>
+              <a:rPr lang="sk-SK" dirty="0"/>
+              <a:t> spravil. Táto chyba sa potom použije na úpravu váh</a:t>
             </a:r>
             <a:r>
               <a:rPr lang="sk-SK" dirty="0" smtClean="0"/>
-              <a:t>)</a:t>
+              <a:t>.</a:t>
             </a:r>
           </a:p>
           <a:p>
             <a:r>
               <a:rPr lang="sk-SK" dirty="0" smtClean="0"/>
-              <a:t>Načítanie súboru s dátami</a:t>
-            </a:r>
-          </a:p>
-          <a:p>
-            <a:r>
-              <a:rPr lang="sk-SK" dirty="0" smtClean="0"/>
-              <a:t>Výber potrebných dát</a:t>
-            </a:r>
-          </a:p>
-          <a:p>
-            <a:r>
-              <a:rPr lang="sk-SK" dirty="0" smtClean="0"/>
-              <a:t>Spojenie dát manuálne, načítanie nového súboru</a:t>
-            </a:r>
-          </a:p>
-          <a:p>
-            <a:r>
-              <a:rPr lang="sk-SK" dirty="0" smtClean="0"/>
-              <a:t>Naplnenie </a:t>
-            </a:r>
-            <a:r>
-              <a:rPr lang="sk-SK" dirty="0" err="1" smtClean="0"/>
-              <a:t>X,y</a:t>
-            </a:r>
-            <a:r>
-              <a:rPr lang="sk-SK" dirty="0" smtClean="0"/>
-              <a:t> dátami</a:t>
-            </a:r>
-          </a:p>
-          <a:p>
-            <a:r>
-              <a:rPr lang="sk-SK" dirty="0" smtClean="0"/>
-              <a:t>Vytvorenie premennej </a:t>
-            </a:r>
-            <a:r>
-              <a:rPr lang="sk-SK" dirty="0" err="1" smtClean="0"/>
-              <a:t>perceptron</a:t>
-            </a:r>
-            <a:r>
-              <a:rPr lang="sk-SK" dirty="0" smtClean="0"/>
-              <a:t>, výpis procesom učenia (.fit)</a:t>
-            </a:r>
-          </a:p>
-          <a:p>
-            <a:r>
-              <a:rPr lang="sk-SK" dirty="0" smtClean="0"/>
-              <a:t>Vykreslenie grafu (</a:t>
-            </a:r>
-            <a:r>
-              <a:rPr lang="sk-SK" dirty="0" err="1" smtClean="0"/>
-              <a:t>scatter</a:t>
-            </a:r>
-            <a:r>
-              <a:rPr lang="sk-SK" dirty="0" smtClean="0"/>
-              <a:t>) </a:t>
-            </a:r>
-          </a:p>
-          <a:p>
-            <a:r>
-              <a:rPr lang="sk-SK" dirty="0" smtClean="0"/>
-              <a:t>Vykreslenie grafu chýb</a:t>
-            </a:r>
-          </a:p>
-          <a:p>
-            <a:r>
-              <a:rPr lang="sk-SK" dirty="0" smtClean="0"/>
-              <a:t>Vykreslenie grafu váh</a:t>
+              <a:t>Naplnenie dát</a:t>
             </a:r>
           </a:p>
           <a:p>
@@ -7054,16 +7170,53 @@
           </a:p>
         </p:txBody>
       </p:sp>
+      <p:pic>
+        <p:nvPicPr>
+          <p:cNvPr id="7" name="Obrázok 6"/>
+          <p:cNvPicPr>
+            <a:picLocks noChangeAspect="1"/>
+          </p:cNvPicPr>
+          <p:nvPr/>
+        </p:nvPicPr>
+        <p:blipFill>
+          <a:blip r:embed="rId2">
+            <a:extLst>
+              <a:ext uri="{28A0092B-C50C-407E-A947-70E740481C1C}">
+                <a14:useLocalDpi xmlns:a14="http://schemas.microsoft.com/office/drawing/2010/main" val="0"/>
+              </a:ext>
+            </a:extLst>
+          </a:blip>
+          <a:stretch>
+            <a:fillRect/>
+          </a:stretch>
+        </p:blipFill>
+        <p:spPr>
+          <a:xfrm>
+            <a:off x="3671170" y="4124259"/>
+            <a:ext cx="4611916" cy="514115"/>
+          </a:xfrm>
+          <a:prstGeom prst="rect">
+            <a:avLst/>
+          </a:prstGeom>
+        </p:spPr>
+      </p:pic>
     </p:spTree>
     <p:extLst>
       <p:ext uri="{BB962C8B-B14F-4D97-AF65-F5344CB8AC3E}">
-        <p14:creationId xmlns:p14="http://schemas.microsoft.com/office/powerpoint/2010/main" val="1203306313"/>
+        <p14:creationId xmlns:p14="http://schemas.microsoft.com/office/powerpoint/2010/main" val="1083280540"/>
       </p:ext>
     </p:extLst>
   </p:cSld>
   <p:clrMapOvr>
     <a:masterClrMapping/>
   </p:clrMapOvr>
+  <p:timing>
+    <p:tnLst>
+      <p:par>
+        <p:cTn id="1" dur="indefinite" restart="never" nodeType="tmRoot"/>
+      </p:par>
+    </p:tnLst>
+  </p:timing>
 </p:sld>
 </file>
 
@@ -7100,87 +7253,478 @@
           <a:lstStyle/>
           <a:p>
             <a:r>
+              <a:rPr lang="sk-SK" dirty="0" err="1" smtClean="0"/>
+              <a:t>Perceptron</a:t>
+            </a:r>
+            <a:endParaRPr lang="sk-SK" dirty="0"/>
+          </a:p>
+        </p:txBody>
+      </p:sp>
+      <p:sp>
+        <p:nvSpPr>
+          <p:cNvPr id="3" name="Zástupný symbol obsahu 2"/>
+          <p:cNvSpPr>
+            <a:spLocks noGrp="1"/>
+          </p:cNvSpPr>
+          <p:nvPr>
+            <p:ph idx="1"/>
+          </p:nvPr>
+        </p:nvSpPr>
+        <p:spPr/>
+        <p:txBody>
+          <a:bodyPr/>
+          <a:lstStyle/>
+          <a:p>
+            <a:r>
               <a:rPr lang="sk-SK" dirty="0" smtClean="0"/>
-              <a:t>Zdroje:</a:t>
-            </a:r>
+              <a:t>Rozdelenie dát na </a:t>
+            </a:r>
+            <a:r>
+              <a:rPr lang="sk-SK" dirty="0" err="1" smtClean="0"/>
+              <a:t>trénovacie</a:t>
+            </a:r>
+            <a:r>
+              <a:rPr lang="sk-SK" dirty="0" smtClean="0"/>
+              <a:t> (30%) a testovacie (70%)</a:t>
+            </a:r>
+          </a:p>
+          <a:p>
+            <a:pPr marL="0" indent="0">
+              <a:buNone/>
+            </a:pPr>
+            <a:endParaRPr lang="sk-SK" dirty="0" smtClean="0"/>
+          </a:p>
+          <a:p>
+            <a:r>
+              <a:rPr lang="sk-SK" dirty="0" smtClean="0"/>
+              <a:t>Testovanie neurónovej siete</a:t>
+            </a:r>
+          </a:p>
+          <a:p>
             <a:endParaRPr lang="sk-SK" dirty="0"/>
           </a:p>
-        </p:txBody>
-      </p:sp>
-      <p:sp>
-        <p:nvSpPr>
-          <p:cNvPr id="3" name="Zástupný symbol obsahu 2"/>
-          <p:cNvSpPr>
-            <a:spLocks noGrp="1"/>
-          </p:cNvSpPr>
-          <p:nvPr>
-            <p:ph idx="1"/>
-          </p:nvPr>
-        </p:nvSpPr>
-        <p:spPr/>
-        <p:txBody>
-          <a:bodyPr/>
-          <a:lstStyle/>
-          <a:p>
-            <a:r>
-              <a:rPr lang="sk-SK" dirty="0">
-                <a:hlinkClick r:id="rId2"/>
-              </a:rPr>
-              <a:t>https://</a:t>
-            </a:r>
-            <a:r>
-              <a:rPr lang="sk-SK" dirty="0" smtClean="0">
-                <a:hlinkClick r:id="rId2"/>
-              </a:rPr>
-              <a:t>sk.wikipedia.org/wiki/Perceptrón</a:t>
-            </a:r>
+          <a:p>
             <a:endParaRPr lang="sk-SK" dirty="0" smtClean="0"/>
           </a:p>
           <a:p>
-            <a:r>
-              <a:rPr lang="sk-SK" dirty="0">
-                <a:hlinkClick r:id="rId3"/>
-              </a:rPr>
-              <a:t>https://naucse.python.cz/lessons/intro/pandas</a:t>
-            </a:r>
-            <a:r>
-              <a:rPr lang="sk-SK" dirty="0" smtClean="0">
-                <a:hlinkClick r:id="rId3"/>
-              </a:rPr>
-              <a:t>/</a:t>
-            </a:r>
+            <a:endParaRPr lang="sk-SK" dirty="0"/>
+          </a:p>
+          <a:p>
             <a:endParaRPr lang="sk-SK" dirty="0" smtClean="0"/>
           </a:p>
           <a:p>
             <a:r>
-              <a:rPr lang="sk-SK" dirty="0">
-                <a:hlinkClick r:id="rId4"/>
-              </a:rPr>
-              <a:t>https://</a:t>
-            </a:r>
-            <a:r>
-              <a:rPr lang="sk-SK" dirty="0" smtClean="0">
-                <a:hlinkClick r:id="rId4"/>
-              </a:rPr>
-              <a:t>moodle.uiam.sk/pluginfile.php/73383/mod_resource/content/1/06.pdf</a:t>
-            </a:r>
-            <a:endParaRPr lang="sk-SK" dirty="0" smtClean="0"/>
-          </a:p>
-          <a:p>
+              <a:rPr lang="sk-SK" dirty="0" smtClean="0"/>
+              <a:t>Aktivačná funkcia – </a:t>
+            </a:r>
+            <a:r>
+              <a:rPr lang="sk-SK" dirty="0" err="1" smtClean="0"/>
+              <a:t>logistic</a:t>
+            </a:r>
+            <a:r>
+              <a:rPr lang="sk-SK" dirty="0" smtClean="0"/>
+              <a:t> (</a:t>
+            </a:r>
+            <a:r>
+              <a:rPr lang="sk-SK" dirty="0" err="1" smtClean="0"/>
+              <a:t>Sigmoid</a:t>
+            </a:r>
+            <a:r>
+              <a:rPr lang="sk-SK" dirty="0" smtClean="0"/>
+              <a:t>)  predstavuje  hodnoty  medzi 0 a 1. Používa sa najmä pre modely, kde musíme predpovedať pravdepodobnosť ako výstup. </a:t>
+            </a:r>
             <a:endParaRPr lang="sk-SK" dirty="0"/>
           </a:p>
         </p:txBody>
       </p:sp>
+      <p:pic>
+        <p:nvPicPr>
+          <p:cNvPr id="4" name="Obrázok 3"/>
+          <p:cNvPicPr>
+            <a:picLocks noChangeAspect="1"/>
+          </p:cNvPicPr>
+          <p:nvPr/>
+        </p:nvPicPr>
+        <p:blipFill>
+          <a:blip r:embed="rId2">
+            <a:extLst>
+              <a:ext uri="{28A0092B-C50C-407E-A947-70E740481C1C}">
+                <a14:useLocalDpi xmlns:a14="http://schemas.microsoft.com/office/drawing/2010/main" val="0"/>
+              </a:ext>
+            </a:extLst>
+          </a:blip>
+          <a:stretch>
+            <a:fillRect/>
+          </a:stretch>
+        </p:blipFill>
+        <p:spPr>
+          <a:xfrm>
+            <a:off x="1547041" y="2403351"/>
+            <a:ext cx="6621821" cy="320780"/>
+          </a:xfrm>
+          <a:prstGeom prst="rect">
+            <a:avLst/>
+          </a:prstGeom>
+        </p:spPr>
+      </p:pic>
+      <p:pic>
+        <p:nvPicPr>
+          <p:cNvPr id="5" name="Obrázok 4"/>
+          <p:cNvPicPr>
+            <a:picLocks noChangeAspect="1"/>
+          </p:cNvPicPr>
+          <p:nvPr/>
+        </p:nvPicPr>
+        <p:blipFill>
+          <a:blip r:embed="rId3">
+            <a:extLst>
+              <a:ext uri="{28A0092B-C50C-407E-A947-70E740481C1C}">
+                <a14:useLocalDpi xmlns:a14="http://schemas.microsoft.com/office/drawing/2010/main" val="0"/>
+              </a:ext>
+            </a:extLst>
+          </a:blip>
+          <a:stretch>
+            <a:fillRect/>
+          </a:stretch>
+        </p:blipFill>
+        <p:spPr>
+          <a:xfrm>
+            <a:off x="1547041" y="3274235"/>
+            <a:ext cx="9545382" cy="1752845"/>
+          </a:xfrm>
+          <a:prstGeom prst="rect">
+            <a:avLst/>
+          </a:prstGeom>
+        </p:spPr>
+      </p:pic>
+      <p:pic>
+        <p:nvPicPr>
+          <p:cNvPr id="6" name="Obrázok 5"/>
+          <p:cNvPicPr>
+            <a:picLocks noChangeAspect="1"/>
+          </p:cNvPicPr>
+          <p:nvPr/>
+        </p:nvPicPr>
+        <p:blipFill>
+          <a:blip r:embed="rId4">
+            <a:extLst>
+              <a:ext uri="{28A0092B-C50C-407E-A947-70E740481C1C}">
+                <a14:useLocalDpi xmlns:a14="http://schemas.microsoft.com/office/drawing/2010/main" val="0"/>
+              </a:ext>
+            </a:extLst>
+          </a:blip>
+          <a:stretch>
+            <a:fillRect/>
+          </a:stretch>
+        </p:blipFill>
+        <p:spPr>
+          <a:xfrm>
+            <a:off x="9375735" y="5428631"/>
+            <a:ext cx="1967768" cy="1310494"/>
+          </a:xfrm>
+          <a:prstGeom prst="rect">
+            <a:avLst/>
+          </a:prstGeom>
+        </p:spPr>
+      </p:pic>
     </p:spTree>
     <p:extLst>
       <p:ext uri="{BB962C8B-B14F-4D97-AF65-F5344CB8AC3E}">
-        <p14:creationId xmlns:p14="http://schemas.microsoft.com/office/powerpoint/2010/main" val="501008502"/>
+        <p14:creationId xmlns:p14="http://schemas.microsoft.com/office/powerpoint/2010/main" val="2693119842"/>
       </p:ext>
     </p:extLst>
   </p:cSld>
   <p:clrMapOvr>
     <a:masterClrMapping/>
   </p:clrMapOvr>
+  <p:timing>
+    <p:tnLst>
+      <p:par>
+        <p:cTn id="1" dur="indefinite" restart="never" nodeType="tmRoot"/>
+      </p:par>
+    </p:tnLst>
+  </p:timing>
+</p:sld>
+</file>
+
+<file path=ppt/slides/slide8.xml><?xml version="1.0" encoding="utf-8"?>
+<p:sld xmlns:a="http://schemas.openxmlformats.org/drawingml/2006/main" xmlns:r="http://schemas.openxmlformats.org/officeDocument/2006/relationships" xmlns:p="http://schemas.openxmlformats.org/presentationml/2006/main">
+  <p:cSld>
+    <p:spTree>
+      <p:nvGrpSpPr>
+        <p:cNvPr id="1" name=""/>
+        <p:cNvGrpSpPr/>
+        <p:nvPr/>
+      </p:nvGrpSpPr>
+      <p:grpSpPr>
+        <a:xfrm>
+          <a:off x="0" y="0"/>
+          <a:ext cx="0" cy="0"/>
+          <a:chOff x="0" y="0"/>
+          <a:chExt cx="0" cy="0"/>
+        </a:xfrm>
+      </p:grpSpPr>
+      <p:sp>
+        <p:nvSpPr>
+          <p:cNvPr id="2" name="Nadpis 1"/>
+          <p:cNvSpPr>
+            <a:spLocks noGrp="1"/>
+          </p:cNvSpPr>
+          <p:nvPr>
+            <p:ph type="title"/>
+          </p:nvPr>
+        </p:nvSpPr>
+        <p:spPr/>
+        <p:txBody>
+          <a:bodyPr/>
+          <a:lstStyle/>
+          <a:p>
+            <a:r>
+              <a:rPr lang="sk-SK" dirty="0" smtClean="0"/>
+              <a:t>Vykreslenie presnosti a chybovosti</a:t>
+            </a:r>
+            <a:endParaRPr lang="sk-SK" dirty="0"/>
+          </a:p>
+        </p:txBody>
+      </p:sp>
+      <p:sp>
+        <p:nvSpPr>
+          <p:cNvPr id="5" name="Zástupný symbol obsahu 4"/>
+          <p:cNvSpPr>
+            <a:spLocks noGrp="1"/>
+          </p:cNvSpPr>
+          <p:nvPr>
+            <p:ph idx="1"/>
+          </p:nvPr>
+        </p:nvSpPr>
+        <p:spPr/>
+        <p:txBody>
+          <a:bodyPr/>
+          <a:lstStyle/>
+          <a:p>
+            <a:r>
+              <a:rPr lang="sk-SK" dirty="0" smtClean="0"/>
+              <a:t>Získanie dát pre grafy</a:t>
+            </a:r>
+            <a:endParaRPr lang="sk-SK" dirty="0"/>
+          </a:p>
+        </p:txBody>
+      </p:sp>
+      <p:pic>
+        <p:nvPicPr>
+          <p:cNvPr id="7" name="Obrázok 6"/>
+          <p:cNvPicPr>
+            <a:picLocks noChangeAspect="1"/>
+          </p:cNvPicPr>
+          <p:nvPr/>
+        </p:nvPicPr>
+        <p:blipFill>
+          <a:blip r:embed="rId2">
+            <a:extLst>
+              <a:ext uri="{28A0092B-C50C-407E-A947-70E740481C1C}">
+                <a14:useLocalDpi xmlns:a14="http://schemas.microsoft.com/office/drawing/2010/main" val="0"/>
+              </a:ext>
+            </a:extLst>
+          </a:blip>
+          <a:stretch>
+            <a:fillRect/>
+          </a:stretch>
+        </p:blipFill>
+        <p:spPr>
+          <a:xfrm>
+            <a:off x="1528125" y="2437484"/>
+            <a:ext cx="9135750" cy="4010585"/>
+          </a:xfrm>
+          <a:prstGeom prst="rect">
+            <a:avLst/>
+          </a:prstGeom>
+        </p:spPr>
+      </p:pic>
+    </p:spTree>
+    <p:extLst>
+      <p:ext uri="{BB962C8B-B14F-4D97-AF65-F5344CB8AC3E}">
+        <p14:creationId xmlns:p14="http://schemas.microsoft.com/office/powerpoint/2010/main" val="2401077080"/>
+      </p:ext>
+    </p:extLst>
+  </p:cSld>
+  <p:clrMapOvr>
+    <a:masterClrMapping/>
+  </p:clrMapOvr>
+  <p:timing>
+    <p:tnLst>
+      <p:par>
+        <p:cTn id="1" dur="indefinite" restart="never" nodeType="tmRoot"/>
+      </p:par>
+    </p:tnLst>
+  </p:timing>
+</p:sld>
+</file>
+
+<file path=ppt/slides/slide9.xml><?xml version="1.0" encoding="utf-8"?>
+<p:sld xmlns:a="http://schemas.openxmlformats.org/drawingml/2006/main" xmlns:r="http://schemas.openxmlformats.org/officeDocument/2006/relationships" xmlns:p="http://schemas.openxmlformats.org/presentationml/2006/main">
+  <p:cSld>
+    <p:spTree>
+      <p:nvGrpSpPr>
+        <p:cNvPr id="1" name=""/>
+        <p:cNvGrpSpPr/>
+        <p:nvPr/>
+      </p:nvGrpSpPr>
+      <p:grpSpPr>
+        <a:xfrm>
+          <a:off x="0" y="0"/>
+          <a:ext cx="0" cy="0"/>
+          <a:chOff x="0" y="0"/>
+          <a:chExt cx="0" cy="0"/>
+        </a:xfrm>
+      </p:grpSpPr>
+      <p:sp>
+        <p:nvSpPr>
+          <p:cNvPr id="2" name="Nadpis 1"/>
+          <p:cNvSpPr>
+            <a:spLocks noGrp="1"/>
+          </p:cNvSpPr>
+          <p:nvPr>
+            <p:ph type="title"/>
+          </p:nvPr>
+        </p:nvSpPr>
+        <p:spPr/>
+        <p:txBody>
+          <a:bodyPr/>
+          <a:lstStyle/>
+          <a:p>
+            <a:r>
+              <a:rPr lang="sk-SK" dirty="0" smtClean="0"/>
+              <a:t>Vykreslenie presnosti a chybovosti</a:t>
+            </a:r>
+            <a:endParaRPr lang="sk-SK" dirty="0"/>
+          </a:p>
+        </p:txBody>
+      </p:sp>
+      <p:sp>
+        <p:nvSpPr>
+          <p:cNvPr id="3" name="Zástupný symbol obsahu 2"/>
+          <p:cNvSpPr>
+            <a:spLocks noGrp="1"/>
+          </p:cNvSpPr>
+          <p:nvPr>
+            <p:ph idx="1"/>
+          </p:nvPr>
+        </p:nvSpPr>
+        <p:spPr>
+          <a:xfrm>
+            <a:off x="1104293" y="2023062"/>
+            <a:ext cx="8946541" cy="4195481"/>
+          </a:xfrm>
+        </p:spPr>
+        <p:txBody>
+          <a:bodyPr/>
+          <a:lstStyle/>
+          <a:p>
+            <a:r>
+              <a:rPr lang="sk-SK" dirty="0" smtClean="0"/>
+              <a:t>Vývoj presnosti siete</a:t>
+            </a:r>
+          </a:p>
+          <a:p>
+            <a:endParaRPr lang="sk-SK" dirty="0"/>
+          </a:p>
+          <a:p>
+            <a:endParaRPr lang="sk-SK" dirty="0" smtClean="0"/>
+          </a:p>
+          <a:p>
+            <a:endParaRPr lang="sk-SK" dirty="0"/>
+          </a:p>
+          <a:p>
+            <a:endParaRPr lang="sk-SK" dirty="0" smtClean="0"/>
+          </a:p>
+          <a:p>
+            <a:endParaRPr lang="sk-SK" dirty="0"/>
+          </a:p>
+          <a:p>
+            <a:r>
+              <a:rPr lang="sk-SK" dirty="0" smtClean="0"/>
+              <a:t>Vývoj chybovosti siete</a:t>
+            </a:r>
+          </a:p>
+        </p:txBody>
+      </p:sp>
+      <p:pic>
+        <p:nvPicPr>
+          <p:cNvPr id="4" name="Obrázok 3"/>
+          <p:cNvPicPr>
+            <a:picLocks noChangeAspect="1"/>
+          </p:cNvPicPr>
+          <p:nvPr/>
+        </p:nvPicPr>
+        <p:blipFill>
+          <a:blip r:embed="rId2">
+            <a:extLst>
+              <a:ext uri="{28A0092B-C50C-407E-A947-70E740481C1C}">
+                <a14:useLocalDpi xmlns:a14="http://schemas.microsoft.com/office/drawing/2010/main" val="0"/>
+              </a:ext>
+            </a:extLst>
+          </a:blip>
+          <a:stretch>
+            <a:fillRect/>
+          </a:stretch>
+        </p:blipFill>
+        <p:spPr>
+          <a:xfrm>
+            <a:off x="6114640" y="1467358"/>
+            <a:ext cx="2543328" cy="2381752"/>
+          </a:xfrm>
+          <a:prstGeom prst="rect">
+            <a:avLst/>
+          </a:prstGeom>
+        </p:spPr>
+      </p:pic>
+      <p:pic>
+        <p:nvPicPr>
+          <p:cNvPr id="5" name="Obrázok 4"/>
+          <p:cNvPicPr>
+            <a:picLocks noChangeAspect="1"/>
+          </p:cNvPicPr>
+          <p:nvPr/>
+        </p:nvPicPr>
+        <p:blipFill>
+          <a:blip r:embed="rId3">
+            <a:extLst>
+              <a:ext uri="{28A0092B-C50C-407E-A947-70E740481C1C}">
+                <a14:useLocalDpi xmlns:a14="http://schemas.microsoft.com/office/drawing/2010/main" val="0"/>
+              </a:ext>
+            </a:extLst>
+          </a:blip>
+          <a:stretch>
+            <a:fillRect/>
+          </a:stretch>
+        </p:blipFill>
+        <p:spPr>
+          <a:xfrm>
+            <a:off x="6114641" y="3952608"/>
+            <a:ext cx="2543327" cy="2411361"/>
+          </a:xfrm>
+          <a:prstGeom prst="rect">
+            <a:avLst/>
+          </a:prstGeom>
+        </p:spPr>
+      </p:pic>
+    </p:spTree>
+    <p:extLst>
+      <p:ext uri="{BB962C8B-B14F-4D97-AF65-F5344CB8AC3E}">
+        <p14:creationId xmlns:p14="http://schemas.microsoft.com/office/powerpoint/2010/main" val="3483537843"/>
+      </p:ext>
+    </p:extLst>
+  </p:cSld>
+  <p:clrMapOvr>
+    <a:masterClrMapping/>
+  </p:clrMapOvr>
+  <p:timing>
+    <p:tnLst>
+      <p:par>
+        <p:cTn id="1" dur="indefinite" restart="never" nodeType="tmRoot"/>
+      </p:par>
+    </p:tnLst>
+  </p:timing>
 </p:sld>
 </file>
 
